--- a/input/images/UseCaseDiagram.pptx
+++ b/input/images/UseCaseDiagram.pptx
@@ -233,7 +233,7 @@
                 <a:cs typeface="Arial" pitchFamily="34" charset="0"/>
               </a:rPr>
               <a:pPr/>
-              <a:t>11/17/20</a:t>
+              <a:t>10/13/21</a:t>
             </a:fld>
             <a:endParaRPr lang="en-US" sz="1100" dirty="0">
               <a:latin typeface="Arial" pitchFamily="34" charset="0"/>
@@ -419,7 +419,7 @@
             <a:fld id="{3B53EE49-5E2F-4CCD-A6EC-E4A5F806204B}" type="datetimeFigureOut">
               <a:rPr lang="en-US" smtClean="0"/>
               <a:pPr/>
-              <a:t>11/17/20</a:t>
+              <a:t>10/13/21</a:t>
             </a:fld>
             <a:endParaRPr lang="en-US" dirty="0"/>
           </a:p>
@@ -1430,7 +1430,7 @@
           <a:p>
             <a:fld id="{703D21FA-50DA-4FED-99E2-219F3D045E35}" type="datetimeFigureOut">
               <a:rPr lang="en-US" smtClean="0"/>
-              <a:t>11/17/20</a:t>
+              <a:t>10/13/21</a:t>
             </a:fld>
             <a:endParaRPr lang="en-US"/>
           </a:p>
@@ -5758,3216 +5758,145 @@
           <a:chExt cx="0" cy="0"/>
         </a:xfrm>
       </p:grpSpPr>
-      <p:sp>
-        <p:nvSpPr>
-          <p:cNvPr id="31" name="Rectangle 30"/>
-          <p:cNvSpPr/>
-          <p:nvPr/>
-        </p:nvSpPr>
-        <p:spPr>
-          <a:xfrm>
-            <a:off x="6181968" y="2310716"/>
-            <a:ext cx="1820067" cy="1433383"/>
-          </a:xfrm>
-          <a:prstGeom prst="rect">
-            <a:avLst/>
-          </a:prstGeom>
-          <a:solidFill>
-            <a:schemeClr val="bg1">
-              <a:lumMod val="95000"/>
-            </a:schemeClr>
-          </a:solidFill>
-          <a:ln>
-            <a:noFill/>
-          </a:ln>
-        </p:spPr>
-        <p:style>
-          <a:lnRef idx="2">
-            <a:schemeClr val="accent1">
-              <a:shade val="50000"/>
-            </a:schemeClr>
-          </a:lnRef>
-          <a:fillRef idx="1">
-            <a:schemeClr val="accent1"/>
-          </a:fillRef>
-          <a:effectRef idx="0">
-            <a:schemeClr val="accent1"/>
-          </a:effectRef>
-          <a:fontRef idx="minor">
-            <a:schemeClr val="lt1"/>
-          </a:fontRef>
-        </p:style>
-        <p:txBody>
-          <a:bodyPr rtlCol="0" anchor="ctr"/>
-          <a:lstStyle/>
-          <a:p>
-            <a:pPr algn="ctr"/>
-            <a:endParaRPr lang="en-US"/>
-          </a:p>
-        </p:txBody>
-      </p:sp>
-      <p:sp>
-        <p:nvSpPr>
-          <p:cNvPr id="78" name="Rectangle 77"/>
-          <p:cNvSpPr/>
-          <p:nvPr/>
-        </p:nvSpPr>
-        <p:spPr>
-          <a:xfrm>
-            <a:off x="6287775" y="3204124"/>
-            <a:ext cx="1487564" cy="430887"/>
-          </a:xfrm>
-          <a:prstGeom prst="rect">
-            <a:avLst/>
-          </a:prstGeom>
-          <a:noFill/>
-        </p:spPr>
-        <p:txBody>
-          <a:bodyPr wrap="square" rtlCol="0" anchor="ctr" anchorCtr="0">
-            <a:spAutoFit/>
-          </a:bodyPr>
-          <a:lstStyle/>
-          <a:p>
-            <a:pPr algn="ctr"/>
-            <a:r>
-              <a:rPr lang="en-US" sz="1100" b="1" dirty="0">
-                <a:solidFill>
-                  <a:schemeClr val="bg2">
-                    <a:lumMod val="50000"/>
-                  </a:schemeClr>
-                </a:solidFill>
-              </a:rPr>
-              <a:t>HEALTH CARE</a:t>
-            </a:r>
-            <a:br>
-              <a:rPr lang="en-US" sz="1100" b="1" dirty="0">
-                <a:solidFill>
-                  <a:schemeClr val="bg2">
-                    <a:lumMod val="50000"/>
-                  </a:schemeClr>
-                </a:solidFill>
-              </a:rPr>
-            </a:br>
-            <a:r>
-              <a:rPr lang="en-US" sz="1100" b="1" dirty="0">
-                <a:solidFill>
-                  <a:schemeClr val="bg2">
-                    <a:lumMod val="50000"/>
-                  </a:schemeClr>
-                </a:solidFill>
-              </a:rPr>
-              <a:t>PAYER</a:t>
-            </a:r>
-          </a:p>
-        </p:txBody>
-      </p:sp>
-      <p:sp>
-        <p:nvSpPr>
-          <p:cNvPr id="86" name="Rectangle 85"/>
-          <p:cNvSpPr/>
-          <p:nvPr/>
-        </p:nvSpPr>
-        <p:spPr>
-          <a:xfrm>
-            <a:off x="4419973" y="2993542"/>
-            <a:ext cx="1860163" cy="415498"/>
-          </a:xfrm>
-          <a:prstGeom prst="rect">
-            <a:avLst/>
-          </a:prstGeom>
-          <a:noFill/>
-        </p:spPr>
-        <p:txBody>
-          <a:bodyPr wrap="square" rtlCol="0" anchor="ctr" anchorCtr="0">
-            <a:spAutoFit/>
-          </a:bodyPr>
-          <a:lstStyle/>
-          <a:p>
-            <a:pPr algn="ctr"/>
-            <a:r>
-              <a:rPr lang="en-US" sz="1050" i="1" dirty="0">
-                <a:solidFill>
-                  <a:schemeClr val="tx2"/>
-                </a:solidFill>
-              </a:rPr>
-              <a:t> Patient</a:t>
-            </a:r>
-            <a:br>
-              <a:rPr lang="en-US" sz="1050" i="1" dirty="0">
-                <a:solidFill>
-                  <a:schemeClr val="tx2"/>
-                </a:solidFill>
-              </a:rPr>
-            </a:br>
-            <a:r>
-              <a:rPr lang="en-US" sz="1050" i="1" dirty="0">
-                <a:solidFill>
-                  <a:schemeClr val="tx2"/>
-                </a:solidFill>
-              </a:rPr>
-              <a:t>Access API</a:t>
-            </a:r>
-          </a:p>
-        </p:txBody>
-      </p:sp>
-      <p:sp>
-        <p:nvSpPr>
-          <p:cNvPr id="88" name="TextBox 87"/>
-          <p:cNvSpPr txBox="1"/>
-          <p:nvPr/>
-        </p:nvSpPr>
-        <p:spPr>
-          <a:xfrm>
-            <a:off x="968946" y="2752219"/>
-            <a:ext cx="979981" cy="530915"/>
-          </a:xfrm>
-          <a:prstGeom prst="rect">
-            <a:avLst/>
-          </a:prstGeom>
-          <a:noFill/>
-        </p:spPr>
-        <p:txBody>
-          <a:bodyPr wrap="square" lIns="0" tIns="0" rtlCol="0">
-            <a:spAutoFit/>
-          </a:bodyPr>
-          <a:lstStyle/>
-          <a:p>
-            <a:r>
-              <a:rPr lang="en-US" sz="1050" b="1" dirty="0">
-                <a:solidFill>
-                  <a:schemeClr val="bg2">
-                    <a:lumMod val="75000"/>
-                  </a:schemeClr>
-                </a:solidFill>
-              </a:rPr>
-              <a:t>consumer or an authorized caregiver</a:t>
-            </a:r>
-          </a:p>
-        </p:txBody>
-      </p:sp>
-      <p:sp>
-        <p:nvSpPr>
-          <p:cNvPr id="30" name="Freeform 9"/>
-          <p:cNvSpPr>
-            <a:spLocks/>
-          </p:cNvSpPr>
-          <p:nvPr/>
-        </p:nvSpPr>
-        <p:spPr bwMode="auto">
-          <a:xfrm>
-            <a:off x="475069" y="2752219"/>
-            <a:ext cx="355398" cy="422687"/>
-          </a:xfrm>
-          <a:custGeom>
-            <a:avLst/>
-            <a:gdLst>
-              <a:gd name="T0" fmla="*/ 56 w 76"/>
-              <a:gd name="T1" fmla="*/ 42 h 92"/>
-              <a:gd name="T2" fmla="*/ 63 w 76"/>
-              <a:gd name="T3" fmla="*/ 25 h 92"/>
-              <a:gd name="T4" fmla="*/ 38 w 76"/>
-              <a:gd name="T5" fmla="*/ 0 h 92"/>
-              <a:gd name="T6" fmla="*/ 13 w 76"/>
-              <a:gd name="T7" fmla="*/ 25 h 92"/>
-              <a:gd name="T8" fmla="*/ 20 w 76"/>
-              <a:gd name="T9" fmla="*/ 42 h 92"/>
-              <a:gd name="T10" fmla="*/ 0 w 76"/>
-              <a:gd name="T11" fmla="*/ 75 h 92"/>
-              <a:gd name="T12" fmla="*/ 0 w 76"/>
-              <a:gd name="T13" fmla="*/ 88 h 92"/>
-              <a:gd name="T14" fmla="*/ 4 w 76"/>
-              <a:gd name="T15" fmla="*/ 92 h 92"/>
-              <a:gd name="T16" fmla="*/ 8 w 76"/>
-              <a:gd name="T17" fmla="*/ 88 h 92"/>
-              <a:gd name="T18" fmla="*/ 8 w 76"/>
-              <a:gd name="T19" fmla="*/ 75 h 92"/>
-              <a:gd name="T20" fmla="*/ 28 w 76"/>
-              <a:gd name="T21" fmla="*/ 48 h 92"/>
-              <a:gd name="T22" fmla="*/ 33 w 76"/>
-              <a:gd name="T23" fmla="*/ 46 h 92"/>
-              <a:gd name="T24" fmla="*/ 31 w 76"/>
-              <a:gd name="T25" fmla="*/ 40 h 92"/>
-              <a:gd name="T26" fmla="*/ 22 w 76"/>
-              <a:gd name="T27" fmla="*/ 25 h 92"/>
-              <a:gd name="T28" fmla="*/ 38 w 76"/>
-              <a:gd name="T29" fmla="*/ 9 h 92"/>
-              <a:gd name="T30" fmla="*/ 54 w 76"/>
-              <a:gd name="T31" fmla="*/ 25 h 92"/>
-              <a:gd name="T32" fmla="*/ 45 w 76"/>
-              <a:gd name="T33" fmla="*/ 40 h 92"/>
-              <a:gd name="T34" fmla="*/ 43 w 76"/>
-              <a:gd name="T35" fmla="*/ 46 h 92"/>
-              <a:gd name="T36" fmla="*/ 47 w 76"/>
-              <a:gd name="T37" fmla="*/ 48 h 92"/>
-              <a:gd name="T38" fmla="*/ 48 w 76"/>
-              <a:gd name="T39" fmla="*/ 48 h 92"/>
-              <a:gd name="T40" fmla="*/ 58 w 76"/>
-              <a:gd name="T41" fmla="*/ 55 h 92"/>
-              <a:gd name="T42" fmla="*/ 67 w 76"/>
-              <a:gd name="T43" fmla="*/ 75 h 92"/>
-              <a:gd name="T44" fmla="*/ 67 w 76"/>
-              <a:gd name="T45" fmla="*/ 88 h 92"/>
-              <a:gd name="T46" fmla="*/ 71 w 76"/>
-              <a:gd name="T47" fmla="*/ 92 h 92"/>
-              <a:gd name="T48" fmla="*/ 76 w 76"/>
-              <a:gd name="T49" fmla="*/ 88 h 92"/>
-              <a:gd name="T50" fmla="*/ 76 w 76"/>
-              <a:gd name="T51" fmla="*/ 75 h 92"/>
-              <a:gd name="T52" fmla="*/ 64 w 76"/>
-              <a:gd name="T53" fmla="*/ 48 h 92"/>
-              <a:gd name="T54" fmla="*/ 56 w 76"/>
-              <a:gd name="T55" fmla="*/ 42 h 92"/>
-            </a:gdLst>
-            <a:ahLst/>
-            <a:cxnLst>
-              <a:cxn ang="0">
-                <a:pos x="T0" y="T1"/>
-              </a:cxn>
-              <a:cxn ang="0">
-                <a:pos x="T2" y="T3"/>
-              </a:cxn>
-              <a:cxn ang="0">
-                <a:pos x="T4" y="T5"/>
-              </a:cxn>
-              <a:cxn ang="0">
-                <a:pos x="T6" y="T7"/>
-              </a:cxn>
-              <a:cxn ang="0">
-                <a:pos x="T8" y="T9"/>
-              </a:cxn>
-              <a:cxn ang="0">
-                <a:pos x="T10" y="T11"/>
-              </a:cxn>
-              <a:cxn ang="0">
-                <a:pos x="T12" y="T13"/>
-              </a:cxn>
-              <a:cxn ang="0">
-                <a:pos x="T14" y="T15"/>
-              </a:cxn>
-              <a:cxn ang="0">
-                <a:pos x="T16" y="T17"/>
-              </a:cxn>
-              <a:cxn ang="0">
-                <a:pos x="T18" y="T19"/>
-              </a:cxn>
-              <a:cxn ang="0">
-                <a:pos x="T20" y="T21"/>
-              </a:cxn>
-              <a:cxn ang="0">
-                <a:pos x="T22" y="T23"/>
-              </a:cxn>
-              <a:cxn ang="0">
-                <a:pos x="T24" y="T25"/>
-              </a:cxn>
-              <a:cxn ang="0">
-                <a:pos x="T26" y="T27"/>
-              </a:cxn>
-              <a:cxn ang="0">
-                <a:pos x="T28" y="T29"/>
-              </a:cxn>
-              <a:cxn ang="0">
-                <a:pos x="T30" y="T31"/>
-              </a:cxn>
-              <a:cxn ang="0">
-                <a:pos x="T32" y="T33"/>
-              </a:cxn>
-              <a:cxn ang="0">
-                <a:pos x="T34" y="T35"/>
-              </a:cxn>
-              <a:cxn ang="0">
-                <a:pos x="T36" y="T37"/>
-              </a:cxn>
-              <a:cxn ang="0">
-                <a:pos x="T38" y="T39"/>
-              </a:cxn>
-              <a:cxn ang="0">
-                <a:pos x="T40" y="T41"/>
-              </a:cxn>
-              <a:cxn ang="0">
-                <a:pos x="T42" y="T43"/>
-              </a:cxn>
-              <a:cxn ang="0">
-                <a:pos x="T44" y="T45"/>
-              </a:cxn>
-              <a:cxn ang="0">
-                <a:pos x="T46" y="T47"/>
-              </a:cxn>
-              <a:cxn ang="0">
-                <a:pos x="T48" y="T49"/>
-              </a:cxn>
-              <a:cxn ang="0">
-                <a:pos x="T50" y="T51"/>
-              </a:cxn>
-              <a:cxn ang="0">
-                <a:pos x="T52" y="T53"/>
-              </a:cxn>
-              <a:cxn ang="0">
-                <a:pos x="T54" y="T55"/>
-              </a:cxn>
-            </a:cxnLst>
-            <a:rect l="0" t="0" r="r" b="b"/>
-            <a:pathLst>
-              <a:path w="76" h="92">
-                <a:moveTo>
-                  <a:pt x="56" y="42"/>
-                </a:moveTo>
-                <a:cubicBezTo>
-                  <a:pt x="60" y="38"/>
-                  <a:pt x="63" y="32"/>
-                  <a:pt x="63" y="25"/>
-                </a:cubicBezTo>
-                <a:cubicBezTo>
-                  <a:pt x="63" y="11"/>
-                  <a:pt x="52" y="0"/>
-                  <a:pt x="38" y="0"/>
-                </a:cubicBezTo>
-                <a:cubicBezTo>
-                  <a:pt x="24" y="0"/>
-                  <a:pt x="13" y="11"/>
-                  <a:pt x="13" y="25"/>
-                </a:cubicBezTo>
-                <a:cubicBezTo>
-                  <a:pt x="13" y="31"/>
-                  <a:pt x="15" y="37"/>
-                  <a:pt x="20" y="42"/>
-                </a:cubicBezTo>
-                <a:cubicBezTo>
-                  <a:pt x="8" y="48"/>
-                  <a:pt x="0" y="61"/>
-                  <a:pt x="0" y="75"/>
-                </a:cubicBezTo>
-                <a:cubicBezTo>
-                  <a:pt x="0" y="88"/>
-                  <a:pt x="0" y="88"/>
-                  <a:pt x="0" y="88"/>
-                </a:cubicBezTo>
-                <a:cubicBezTo>
-                  <a:pt x="0" y="90"/>
-                  <a:pt x="2" y="92"/>
-                  <a:pt x="4" y="92"/>
-                </a:cubicBezTo>
-                <a:cubicBezTo>
-                  <a:pt x="7" y="92"/>
-                  <a:pt x="8" y="90"/>
-                  <a:pt x="8" y="88"/>
-                </a:cubicBezTo>
-                <a:cubicBezTo>
-                  <a:pt x="8" y="75"/>
-                  <a:pt x="8" y="75"/>
-                  <a:pt x="8" y="75"/>
-                </a:cubicBezTo>
-                <a:cubicBezTo>
-                  <a:pt x="8" y="63"/>
-                  <a:pt x="16" y="52"/>
-                  <a:pt x="28" y="48"/>
-                </a:cubicBezTo>
-                <a:cubicBezTo>
-                  <a:pt x="30" y="48"/>
-                  <a:pt x="32" y="48"/>
-                  <a:pt x="33" y="46"/>
-                </a:cubicBezTo>
-                <a:cubicBezTo>
-                  <a:pt x="34" y="43"/>
-                  <a:pt x="33" y="41"/>
-                  <a:pt x="31" y="40"/>
-                </a:cubicBezTo>
-                <a:cubicBezTo>
-                  <a:pt x="25" y="37"/>
-                  <a:pt x="22" y="31"/>
-                  <a:pt x="22" y="25"/>
-                </a:cubicBezTo>
-                <a:cubicBezTo>
-                  <a:pt x="22" y="16"/>
-                  <a:pt x="29" y="9"/>
-                  <a:pt x="38" y="9"/>
-                </a:cubicBezTo>
-                <a:cubicBezTo>
-                  <a:pt x="47" y="9"/>
-                  <a:pt x="54" y="16"/>
-                  <a:pt x="54" y="25"/>
-                </a:cubicBezTo>
-                <a:cubicBezTo>
-                  <a:pt x="54" y="31"/>
-                  <a:pt x="50" y="37"/>
-                  <a:pt x="45" y="40"/>
-                </a:cubicBezTo>
-                <a:cubicBezTo>
-                  <a:pt x="43" y="41"/>
-                  <a:pt x="42" y="43"/>
-                  <a:pt x="43" y="46"/>
-                </a:cubicBezTo>
-                <a:cubicBezTo>
-                  <a:pt x="43" y="47"/>
-                  <a:pt x="45" y="48"/>
-                  <a:pt x="47" y="48"/>
-                </a:cubicBezTo>
-                <a:cubicBezTo>
-                  <a:pt x="47" y="48"/>
-                  <a:pt x="47" y="48"/>
-                  <a:pt x="48" y="48"/>
-                </a:cubicBezTo>
-                <a:cubicBezTo>
-                  <a:pt x="52" y="49"/>
-                  <a:pt x="55" y="52"/>
-                  <a:pt x="58" y="55"/>
-                </a:cubicBezTo>
-                <a:cubicBezTo>
-                  <a:pt x="64" y="60"/>
-                  <a:pt x="67" y="68"/>
-                  <a:pt x="67" y="75"/>
-                </a:cubicBezTo>
-                <a:cubicBezTo>
-                  <a:pt x="67" y="88"/>
-                  <a:pt x="67" y="88"/>
-                  <a:pt x="67" y="88"/>
-                </a:cubicBezTo>
-                <a:cubicBezTo>
-                  <a:pt x="67" y="90"/>
-                  <a:pt x="69" y="92"/>
-                  <a:pt x="71" y="92"/>
-                </a:cubicBezTo>
-                <a:cubicBezTo>
-                  <a:pt x="74" y="92"/>
-                  <a:pt x="76" y="90"/>
-                  <a:pt x="76" y="88"/>
-                </a:cubicBezTo>
-                <a:cubicBezTo>
-                  <a:pt x="76" y="75"/>
-                  <a:pt x="76" y="75"/>
-                  <a:pt x="76" y="75"/>
-                </a:cubicBezTo>
-                <a:cubicBezTo>
-                  <a:pt x="76" y="65"/>
-                  <a:pt x="72" y="56"/>
-                  <a:pt x="64" y="48"/>
-                </a:cubicBezTo>
-                <a:cubicBezTo>
-                  <a:pt x="62" y="46"/>
-                  <a:pt x="59" y="44"/>
-                  <a:pt x="56" y="42"/>
-                </a:cubicBezTo>
-              </a:path>
-            </a:pathLst>
-          </a:custGeom>
-          <a:solidFill>
-            <a:schemeClr val="bg2">
-              <a:lumMod val="75000"/>
-            </a:schemeClr>
-          </a:solidFill>
-          <a:ln>
-            <a:solidFill>
-              <a:schemeClr val="bg1"/>
-            </a:solidFill>
-          </a:ln>
-        </p:spPr>
-        <p:txBody>
-          <a:bodyPr vert="horz" wrap="square" lIns="91440" tIns="45720" rIns="91440" bIns="45720" numCol="1" anchor="t" anchorCtr="0" compatLnSpc="1">
-            <a:prstTxWarp prst="textNoShape">
-              <a:avLst/>
-            </a:prstTxWarp>
-          </a:bodyPr>
-          <a:lstStyle/>
-          <a:p>
-            <a:endParaRPr lang="en-US"/>
-          </a:p>
-        </p:txBody>
-      </p:sp>
-      <p:cxnSp>
-        <p:nvCxnSpPr>
-          <p:cNvPr id="40" name="Straight Arrow Connector 39"/>
-          <p:cNvCxnSpPr/>
-          <p:nvPr/>
-        </p:nvCxnSpPr>
-        <p:spPr>
-          <a:xfrm flipH="1">
-            <a:off x="4601411" y="2902182"/>
-            <a:ext cx="1438220" cy="5763"/>
-          </a:xfrm>
-          <a:prstGeom prst="straightConnector1">
-            <a:avLst/>
-          </a:prstGeom>
-          <a:ln w="12700">
-            <a:solidFill>
-              <a:schemeClr val="accent1">
-                <a:lumMod val="50000"/>
-              </a:schemeClr>
-            </a:solidFill>
-            <a:tailEnd type="triangle"/>
-          </a:ln>
-        </p:spPr>
-        <p:style>
-          <a:lnRef idx="1">
-            <a:schemeClr val="accent1"/>
-          </a:lnRef>
-          <a:fillRef idx="0">
-            <a:schemeClr val="accent1"/>
-          </a:fillRef>
-          <a:effectRef idx="0">
-            <a:schemeClr val="accent1"/>
-          </a:effectRef>
-          <a:fontRef idx="minor">
-            <a:schemeClr val="tx1"/>
-          </a:fontRef>
-        </p:style>
-      </p:cxnSp>
-      <p:sp>
-        <p:nvSpPr>
-          <p:cNvPr id="28" name="Freeform 82"/>
-          <p:cNvSpPr>
-            <a:spLocks noEditPoints="1"/>
-          </p:cNvSpPr>
-          <p:nvPr/>
-        </p:nvSpPr>
-        <p:spPr bwMode="auto">
-          <a:xfrm>
-            <a:off x="6616429" y="2421205"/>
-            <a:ext cx="837936" cy="772697"/>
-          </a:xfrm>
-          <a:custGeom>
-            <a:avLst/>
-            <a:gdLst>
-              <a:gd name="T0" fmla="*/ 48 w 180"/>
-              <a:gd name="T1" fmla="*/ 1 h 132"/>
-              <a:gd name="T2" fmla="*/ 48 w 180"/>
-              <a:gd name="T3" fmla="*/ 27 h 132"/>
-              <a:gd name="T4" fmla="*/ 13 w 180"/>
-              <a:gd name="T5" fmla="*/ 29 h 132"/>
-              <a:gd name="T6" fmla="*/ 9 w 180"/>
-              <a:gd name="T7" fmla="*/ 30 h 132"/>
-              <a:gd name="T8" fmla="*/ 9 w 180"/>
-              <a:gd name="T9" fmla="*/ 125 h 132"/>
-              <a:gd name="T10" fmla="*/ 2 w 180"/>
-              <a:gd name="T11" fmla="*/ 127 h 132"/>
-              <a:gd name="T12" fmla="*/ 0 w 180"/>
-              <a:gd name="T13" fmla="*/ 130 h 132"/>
-              <a:gd name="T14" fmla="*/ 178 w 180"/>
-              <a:gd name="T15" fmla="*/ 132 h 132"/>
-              <a:gd name="T16" fmla="*/ 180 w 180"/>
-              <a:gd name="T17" fmla="*/ 129 h 132"/>
-              <a:gd name="T18" fmla="*/ 174 w 180"/>
-              <a:gd name="T19" fmla="*/ 127 h 132"/>
-              <a:gd name="T20" fmla="*/ 172 w 180"/>
-              <a:gd name="T21" fmla="*/ 33 h 132"/>
-              <a:gd name="T22" fmla="*/ 171 w 180"/>
-              <a:gd name="T23" fmla="*/ 29 h 132"/>
-              <a:gd name="T24" fmla="*/ 135 w 180"/>
-              <a:gd name="T25" fmla="*/ 29 h 132"/>
-              <a:gd name="T26" fmla="*/ 133 w 180"/>
-              <a:gd name="T27" fmla="*/ 4 h 132"/>
-              <a:gd name="T28" fmla="*/ 131 w 180"/>
-              <a:gd name="T29" fmla="*/ 0 h 132"/>
-              <a:gd name="T30" fmla="*/ 52 w 180"/>
-              <a:gd name="T31" fmla="*/ 0 h 132"/>
-              <a:gd name="T32" fmla="*/ 53 w 180"/>
-              <a:gd name="T33" fmla="*/ 6 h 132"/>
-              <a:gd name="T34" fmla="*/ 126 w 180"/>
-              <a:gd name="T35" fmla="*/ 4 h 132"/>
-              <a:gd name="T36" fmla="*/ 128 w 180"/>
-              <a:gd name="T37" fmla="*/ 125 h 132"/>
-              <a:gd name="T38" fmla="*/ 120 w 180"/>
-              <a:gd name="T39" fmla="*/ 127 h 132"/>
-              <a:gd name="T40" fmla="*/ 118 w 180"/>
-              <a:gd name="T41" fmla="*/ 86 h 132"/>
-              <a:gd name="T42" fmla="*/ 117 w 180"/>
-              <a:gd name="T43" fmla="*/ 81 h 132"/>
-              <a:gd name="T44" fmla="*/ 67 w 180"/>
-              <a:gd name="T45" fmla="*/ 81 h 132"/>
-              <a:gd name="T46" fmla="*/ 62 w 180"/>
-              <a:gd name="T47" fmla="*/ 82 h 132"/>
-              <a:gd name="T48" fmla="*/ 62 w 180"/>
-              <a:gd name="T49" fmla="*/ 125 h 132"/>
-              <a:gd name="T50" fmla="*/ 55 w 180"/>
-              <a:gd name="T51" fmla="*/ 127 h 132"/>
-              <a:gd name="T52" fmla="*/ 53 w 180"/>
-              <a:gd name="T53" fmla="*/ 6 h 132"/>
-              <a:gd name="T54" fmla="*/ 15 w 180"/>
-              <a:gd name="T55" fmla="*/ 34 h 132"/>
-              <a:gd name="T56" fmla="*/ 48 w 180"/>
-              <a:gd name="T57" fmla="*/ 36 h 132"/>
-              <a:gd name="T58" fmla="*/ 46 w 180"/>
-              <a:gd name="T59" fmla="*/ 127 h 132"/>
-              <a:gd name="T60" fmla="*/ 13 w 180"/>
-              <a:gd name="T61" fmla="*/ 125 h 132"/>
-              <a:gd name="T62" fmla="*/ 133 w 180"/>
-              <a:gd name="T63" fmla="*/ 36 h 132"/>
-              <a:gd name="T64" fmla="*/ 165 w 180"/>
-              <a:gd name="T65" fmla="*/ 34 h 132"/>
-              <a:gd name="T66" fmla="*/ 167 w 180"/>
-              <a:gd name="T67" fmla="*/ 125 h 132"/>
-              <a:gd name="T68" fmla="*/ 135 w 180"/>
-              <a:gd name="T69" fmla="*/ 127 h 132"/>
-              <a:gd name="T70" fmla="*/ 133 w 180"/>
-              <a:gd name="T71" fmla="*/ 36 h 132"/>
-              <a:gd name="T72" fmla="*/ 69 w 180"/>
-              <a:gd name="T73" fmla="*/ 86 h 132"/>
-              <a:gd name="T74" fmla="*/ 88 w 180"/>
-              <a:gd name="T75" fmla="*/ 88 h 132"/>
-              <a:gd name="T76" fmla="*/ 86 w 180"/>
-              <a:gd name="T77" fmla="*/ 127 h 132"/>
-              <a:gd name="T78" fmla="*/ 67 w 180"/>
-              <a:gd name="T79" fmla="*/ 125 h 132"/>
-              <a:gd name="T80" fmla="*/ 93 w 180"/>
-              <a:gd name="T81" fmla="*/ 88 h 132"/>
-              <a:gd name="T82" fmla="*/ 112 w 180"/>
-              <a:gd name="T83" fmla="*/ 86 h 132"/>
-              <a:gd name="T84" fmla="*/ 114 w 180"/>
-              <a:gd name="T85" fmla="*/ 125 h 132"/>
-              <a:gd name="T86" fmla="*/ 95 w 180"/>
-              <a:gd name="T87" fmla="*/ 127 h 132"/>
-              <a:gd name="T88" fmla="*/ 93 w 180"/>
-              <a:gd name="T89" fmla="*/ 88 h 132"/>
-            </a:gdLst>
-            <a:ahLst/>
-            <a:cxnLst>
-              <a:cxn ang="0">
-                <a:pos x="T0" y="T1"/>
-              </a:cxn>
-              <a:cxn ang="0">
-                <a:pos x="T2" y="T3"/>
-              </a:cxn>
-              <a:cxn ang="0">
-                <a:pos x="T4" y="T5"/>
-              </a:cxn>
-              <a:cxn ang="0">
-                <a:pos x="T6" y="T7"/>
-              </a:cxn>
-              <a:cxn ang="0">
-                <a:pos x="T8" y="T9"/>
-              </a:cxn>
-              <a:cxn ang="0">
-                <a:pos x="T10" y="T11"/>
-              </a:cxn>
-              <a:cxn ang="0">
-                <a:pos x="T12" y="T13"/>
-              </a:cxn>
-              <a:cxn ang="0">
-                <a:pos x="T14" y="T15"/>
-              </a:cxn>
-              <a:cxn ang="0">
-                <a:pos x="T16" y="T17"/>
-              </a:cxn>
-              <a:cxn ang="0">
-                <a:pos x="T18" y="T19"/>
-              </a:cxn>
-              <a:cxn ang="0">
-                <a:pos x="T20" y="T21"/>
-              </a:cxn>
-              <a:cxn ang="0">
-                <a:pos x="T22" y="T23"/>
-              </a:cxn>
-              <a:cxn ang="0">
-                <a:pos x="T24" y="T25"/>
-              </a:cxn>
-              <a:cxn ang="0">
-                <a:pos x="T26" y="T27"/>
-              </a:cxn>
-              <a:cxn ang="0">
-                <a:pos x="T28" y="T29"/>
-              </a:cxn>
-              <a:cxn ang="0">
-                <a:pos x="T30" y="T31"/>
-              </a:cxn>
-              <a:cxn ang="0">
-                <a:pos x="T32" y="T33"/>
-              </a:cxn>
-              <a:cxn ang="0">
-                <a:pos x="T34" y="T35"/>
-              </a:cxn>
-              <a:cxn ang="0">
-                <a:pos x="T36" y="T37"/>
-              </a:cxn>
-              <a:cxn ang="0">
-                <a:pos x="T38" y="T39"/>
-              </a:cxn>
-              <a:cxn ang="0">
-                <a:pos x="T40" y="T41"/>
-              </a:cxn>
-              <a:cxn ang="0">
-                <a:pos x="T42" y="T43"/>
-              </a:cxn>
-              <a:cxn ang="0">
-                <a:pos x="T44" y="T45"/>
-              </a:cxn>
-              <a:cxn ang="0">
-                <a:pos x="T46" y="T47"/>
-              </a:cxn>
-              <a:cxn ang="0">
-                <a:pos x="T48" y="T49"/>
-              </a:cxn>
-              <a:cxn ang="0">
-                <a:pos x="T50" y="T51"/>
-              </a:cxn>
-              <a:cxn ang="0">
-                <a:pos x="T52" y="T53"/>
-              </a:cxn>
-              <a:cxn ang="0">
-                <a:pos x="T54" y="T55"/>
-              </a:cxn>
-              <a:cxn ang="0">
-                <a:pos x="T56" y="T57"/>
-              </a:cxn>
-              <a:cxn ang="0">
-                <a:pos x="T58" y="T59"/>
-              </a:cxn>
-              <a:cxn ang="0">
-                <a:pos x="T60" y="T61"/>
-              </a:cxn>
-              <a:cxn ang="0">
-                <a:pos x="T62" y="T63"/>
-              </a:cxn>
-              <a:cxn ang="0">
-                <a:pos x="T64" y="T65"/>
-              </a:cxn>
-              <a:cxn ang="0">
-                <a:pos x="T66" y="T67"/>
-              </a:cxn>
-              <a:cxn ang="0">
-                <a:pos x="T68" y="T69"/>
-              </a:cxn>
-              <a:cxn ang="0">
-                <a:pos x="T70" y="T71"/>
-              </a:cxn>
-              <a:cxn ang="0">
-                <a:pos x="T72" y="T73"/>
-              </a:cxn>
-              <a:cxn ang="0">
-                <a:pos x="T74" y="T75"/>
-              </a:cxn>
-              <a:cxn ang="0">
-                <a:pos x="T76" y="T77"/>
-              </a:cxn>
-              <a:cxn ang="0">
-                <a:pos x="T78" y="T79"/>
-              </a:cxn>
-              <a:cxn ang="0">
-                <a:pos x="T80" y="T81"/>
-              </a:cxn>
-              <a:cxn ang="0">
-                <a:pos x="T82" y="T83"/>
-              </a:cxn>
-              <a:cxn ang="0">
-                <a:pos x="T84" y="T85"/>
-              </a:cxn>
-              <a:cxn ang="0">
-                <a:pos x="T86" y="T87"/>
-              </a:cxn>
-              <a:cxn ang="0">
-                <a:pos x="T88" y="T89"/>
-              </a:cxn>
-            </a:cxnLst>
-            <a:rect l="0" t="0" r="r" b="b"/>
-            <a:pathLst>
-              <a:path w="180" h="132">
-                <a:moveTo>
-                  <a:pt x="49" y="0"/>
-                </a:moveTo>
-                <a:cubicBezTo>
-                  <a:pt x="49" y="0"/>
-                  <a:pt x="48" y="0"/>
-                  <a:pt x="48" y="1"/>
-                </a:cubicBezTo>
-                <a:cubicBezTo>
-                  <a:pt x="48" y="1"/>
-                  <a:pt x="48" y="3"/>
-                  <a:pt x="48" y="4"/>
-                </a:cubicBezTo>
-                <a:cubicBezTo>
-                  <a:pt x="48" y="27"/>
-                  <a:pt x="48" y="27"/>
-                  <a:pt x="48" y="27"/>
-                </a:cubicBezTo>
-                <a:cubicBezTo>
-                  <a:pt x="48" y="28"/>
-                  <a:pt x="47" y="29"/>
-                  <a:pt x="46" y="29"/>
-                </a:cubicBezTo>
-                <a:cubicBezTo>
-                  <a:pt x="13" y="29"/>
-                  <a:pt x="13" y="29"/>
-                  <a:pt x="13" y="29"/>
-                </a:cubicBezTo>
-                <a:cubicBezTo>
-                  <a:pt x="12" y="29"/>
-                  <a:pt x="10" y="29"/>
-                  <a:pt x="10" y="29"/>
-                </a:cubicBezTo>
-                <a:cubicBezTo>
-                  <a:pt x="9" y="29"/>
-                  <a:pt x="9" y="29"/>
-                  <a:pt x="9" y="30"/>
-                </a:cubicBezTo>
-                <a:cubicBezTo>
-                  <a:pt x="9" y="31"/>
-                  <a:pt x="9" y="32"/>
-                  <a:pt x="9" y="33"/>
-                </a:cubicBezTo>
-                <a:cubicBezTo>
-                  <a:pt x="9" y="125"/>
-                  <a:pt x="9" y="125"/>
-                  <a:pt x="9" y="125"/>
-                </a:cubicBezTo>
-                <a:cubicBezTo>
-                  <a:pt x="9" y="126"/>
-                  <a:pt x="8" y="127"/>
-                  <a:pt x="7" y="127"/>
-                </a:cubicBezTo>
-                <a:cubicBezTo>
-                  <a:pt x="2" y="127"/>
-                  <a:pt x="2" y="127"/>
-                  <a:pt x="2" y="127"/>
-                </a:cubicBezTo>
-                <a:cubicBezTo>
-                  <a:pt x="1" y="127"/>
-                  <a:pt x="0" y="128"/>
-                  <a:pt x="0" y="129"/>
-                </a:cubicBezTo>
-                <a:cubicBezTo>
-                  <a:pt x="0" y="130"/>
-                  <a:pt x="0" y="130"/>
-                  <a:pt x="0" y="130"/>
-                </a:cubicBezTo>
-                <a:cubicBezTo>
-                  <a:pt x="0" y="131"/>
-                  <a:pt x="1" y="132"/>
-                  <a:pt x="2" y="132"/>
-                </a:cubicBezTo>
-                <a:cubicBezTo>
-                  <a:pt x="178" y="132"/>
-                  <a:pt x="178" y="132"/>
-                  <a:pt x="178" y="132"/>
-                </a:cubicBezTo>
-                <a:cubicBezTo>
-                  <a:pt x="180" y="132"/>
-                  <a:pt x="180" y="131"/>
-                  <a:pt x="180" y="130"/>
-                </a:cubicBezTo>
-                <a:cubicBezTo>
-                  <a:pt x="180" y="129"/>
-                  <a:pt x="180" y="129"/>
-                  <a:pt x="180" y="129"/>
-                </a:cubicBezTo>
-                <a:cubicBezTo>
-                  <a:pt x="180" y="128"/>
-                  <a:pt x="180" y="127"/>
-                  <a:pt x="178" y="127"/>
-                </a:cubicBezTo>
-                <a:cubicBezTo>
-                  <a:pt x="174" y="127"/>
-                  <a:pt x="174" y="127"/>
-                  <a:pt x="174" y="127"/>
-                </a:cubicBezTo>
-                <a:cubicBezTo>
-                  <a:pt x="173" y="127"/>
-                  <a:pt x="172" y="126"/>
-                  <a:pt x="172" y="125"/>
-                </a:cubicBezTo>
-                <a:cubicBezTo>
-                  <a:pt x="172" y="33"/>
-                  <a:pt x="172" y="33"/>
-                  <a:pt x="172" y="33"/>
-                </a:cubicBezTo>
-                <a:cubicBezTo>
-                  <a:pt x="172" y="32"/>
-                  <a:pt x="172" y="31"/>
-                  <a:pt x="172" y="30"/>
-                </a:cubicBezTo>
-                <a:cubicBezTo>
-                  <a:pt x="172" y="29"/>
-                  <a:pt x="171" y="29"/>
-                  <a:pt x="171" y="29"/>
-                </a:cubicBezTo>
-                <a:cubicBezTo>
-                  <a:pt x="170" y="29"/>
-                  <a:pt x="169" y="29"/>
-                  <a:pt x="168" y="29"/>
-                </a:cubicBezTo>
-                <a:cubicBezTo>
-                  <a:pt x="135" y="29"/>
-                  <a:pt x="135" y="29"/>
-                  <a:pt x="135" y="29"/>
-                </a:cubicBezTo>
-                <a:cubicBezTo>
-                  <a:pt x="133" y="29"/>
-                  <a:pt x="133" y="28"/>
-                  <a:pt x="133" y="27"/>
-                </a:cubicBezTo>
-                <a:cubicBezTo>
-                  <a:pt x="133" y="4"/>
-                  <a:pt x="133" y="4"/>
-                  <a:pt x="133" y="4"/>
-                </a:cubicBezTo>
-                <a:cubicBezTo>
-                  <a:pt x="133" y="3"/>
-                  <a:pt x="133" y="1"/>
-                  <a:pt x="133" y="1"/>
-                </a:cubicBezTo>
-                <a:cubicBezTo>
-                  <a:pt x="133" y="0"/>
-                  <a:pt x="132" y="0"/>
-                  <a:pt x="131" y="0"/>
-                </a:cubicBezTo>
-                <a:cubicBezTo>
-                  <a:pt x="131" y="0"/>
-                  <a:pt x="129" y="0"/>
-                  <a:pt x="128" y="0"/>
-                </a:cubicBezTo>
-                <a:cubicBezTo>
-                  <a:pt x="52" y="0"/>
-                  <a:pt x="52" y="0"/>
-                  <a:pt x="52" y="0"/>
-                </a:cubicBezTo>
-                <a:cubicBezTo>
-                  <a:pt x="51" y="0"/>
-                  <a:pt x="50" y="0"/>
-                  <a:pt x="49" y="0"/>
-                </a:cubicBezTo>
-                <a:close/>
-                <a:moveTo>
-                  <a:pt x="53" y="6"/>
-                </a:moveTo>
-                <a:cubicBezTo>
-                  <a:pt x="53" y="5"/>
-                  <a:pt x="54" y="4"/>
-                  <a:pt x="55" y="4"/>
-                </a:cubicBezTo>
-                <a:cubicBezTo>
-                  <a:pt x="126" y="4"/>
-                  <a:pt x="126" y="4"/>
-                  <a:pt x="126" y="4"/>
-                </a:cubicBezTo>
-                <a:cubicBezTo>
-                  <a:pt x="127" y="4"/>
-                  <a:pt x="128" y="5"/>
-                  <a:pt x="128" y="6"/>
-                </a:cubicBezTo>
-                <a:cubicBezTo>
-                  <a:pt x="128" y="125"/>
-                  <a:pt x="128" y="125"/>
-                  <a:pt x="128" y="125"/>
-                </a:cubicBezTo>
-                <a:cubicBezTo>
-                  <a:pt x="128" y="126"/>
-                  <a:pt x="127" y="127"/>
-                  <a:pt x="126" y="127"/>
-                </a:cubicBezTo>
-                <a:cubicBezTo>
-                  <a:pt x="120" y="127"/>
-                  <a:pt x="120" y="127"/>
-                  <a:pt x="120" y="127"/>
-                </a:cubicBezTo>
-                <a:cubicBezTo>
-                  <a:pt x="119" y="127"/>
-                  <a:pt x="118" y="126"/>
-                  <a:pt x="118" y="125"/>
-                </a:cubicBezTo>
-                <a:cubicBezTo>
-                  <a:pt x="118" y="86"/>
-                  <a:pt x="118" y="86"/>
-                  <a:pt x="118" y="86"/>
-                </a:cubicBezTo>
-                <a:cubicBezTo>
-                  <a:pt x="118" y="84"/>
-                  <a:pt x="118" y="83"/>
-                  <a:pt x="118" y="82"/>
-                </a:cubicBezTo>
-                <a:cubicBezTo>
-                  <a:pt x="118" y="82"/>
-                  <a:pt x="118" y="81"/>
-                  <a:pt x="117" y="81"/>
-                </a:cubicBezTo>
-                <a:cubicBezTo>
-                  <a:pt x="117" y="81"/>
-                  <a:pt x="115" y="81"/>
-                  <a:pt x="114" y="81"/>
-                </a:cubicBezTo>
-                <a:cubicBezTo>
-                  <a:pt x="67" y="81"/>
-                  <a:pt x="67" y="81"/>
-                  <a:pt x="67" y="81"/>
-                </a:cubicBezTo>
-                <a:cubicBezTo>
-                  <a:pt x="65" y="81"/>
-                  <a:pt x="64" y="81"/>
-                  <a:pt x="63" y="81"/>
-                </a:cubicBezTo>
-                <a:cubicBezTo>
-                  <a:pt x="63" y="81"/>
-                  <a:pt x="62" y="82"/>
-                  <a:pt x="62" y="82"/>
-                </a:cubicBezTo>
-                <a:cubicBezTo>
-                  <a:pt x="62" y="83"/>
-                  <a:pt x="62" y="84"/>
-                  <a:pt x="62" y="86"/>
-                </a:cubicBezTo>
-                <a:cubicBezTo>
-                  <a:pt x="62" y="125"/>
-                  <a:pt x="62" y="125"/>
-                  <a:pt x="62" y="125"/>
-                </a:cubicBezTo>
-                <a:cubicBezTo>
-                  <a:pt x="62" y="126"/>
-                  <a:pt x="61" y="127"/>
-                  <a:pt x="60" y="127"/>
-                </a:cubicBezTo>
-                <a:cubicBezTo>
-                  <a:pt x="55" y="127"/>
-                  <a:pt x="55" y="127"/>
-                  <a:pt x="55" y="127"/>
-                </a:cubicBezTo>
-                <a:cubicBezTo>
-                  <a:pt x="54" y="127"/>
-                  <a:pt x="53" y="126"/>
-                  <a:pt x="53" y="125"/>
-                </a:cubicBezTo>
-                <a:lnTo>
-                  <a:pt x="53" y="6"/>
-                </a:lnTo>
-                <a:close/>
-                <a:moveTo>
-                  <a:pt x="13" y="36"/>
-                </a:moveTo>
-                <a:cubicBezTo>
-                  <a:pt x="13" y="34"/>
-                  <a:pt x="14" y="34"/>
-                  <a:pt x="15" y="34"/>
-                </a:cubicBezTo>
-                <a:cubicBezTo>
-                  <a:pt x="46" y="34"/>
-                  <a:pt x="46" y="34"/>
-                  <a:pt x="46" y="34"/>
-                </a:cubicBezTo>
-                <a:cubicBezTo>
-                  <a:pt x="47" y="34"/>
-                  <a:pt x="48" y="34"/>
-                  <a:pt x="48" y="36"/>
-                </a:cubicBezTo>
-                <a:cubicBezTo>
-                  <a:pt x="48" y="125"/>
-                  <a:pt x="48" y="125"/>
-                  <a:pt x="48" y="125"/>
-                </a:cubicBezTo>
-                <a:cubicBezTo>
-                  <a:pt x="48" y="126"/>
-                  <a:pt x="47" y="127"/>
-                  <a:pt x="46" y="127"/>
-                </a:cubicBezTo>
-                <a:cubicBezTo>
-                  <a:pt x="15" y="127"/>
-                  <a:pt x="15" y="127"/>
-                  <a:pt x="15" y="127"/>
-                </a:cubicBezTo>
-                <a:cubicBezTo>
-                  <a:pt x="14" y="127"/>
-                  <a:pt x="13" y="126"/>
-                  <a:pt x="13" y="125"/>
-                </a:cubicBezTo>
-                <a:lnTo>
-                  <a:pt x="13" y="36"/>
-                </a:lnTo>
-                <a:close/>
-                <a:moveTo>
-                  <a:pt x="133" y="36"/>
-                </a:moveTo>
-                <a:cubicBezTo>
-                  <a:pt x="133" y="34"/>
-                  <a:pt x="133" y="34"/>
-                  <a:pt x="135" y="34"/>
-                </a:cubicBezTo>
-                <a:cubicBezTo>
-                  <a:pt x="165" y="34"/>
-                  <a:pt x="165" y="34"/>
-                  <a:pt x="165" y="34"/>
-                </a:cubicBezTo>
-                <a:cubicBezTo>
-                  <a:pt x="166" y="34"/>
-                  <a:pt x="167" y="34"/>
-                  <a:pt x="167" y="36"/>
-                </a:cubicBezTo>
-                <a:cubicBezTo>
-                  <a:pt x="167" y="125"/>
-                  <a:pt x="167" y="125"/>
-                  <a:pt x="167" y="125"/>
-                </a:cubicBezTo>
-                <a:cubicBezTo>
-                  <a:pt x="167" y="126"/>
-                  <a:pt x="166" y="127"/>
-                  <a:pt x="165" y="127"/>
-                </a:cubicBezTo>
-                <a:cubicBezTo>
-                  <a:pt x="135" y="127"/>
-                  <a:pt x="135" y="127"/>
-                  <a:pt x="135" y="127"/>
-                </a:cubicBezTo>
-                <a:cubicBezTo>
-                  <a:pt x="133" y="127"/>
-                  <a:pt x="133" y="126"/>
-                  <a:pt x="133" y="125"/>
-                </a:cubicBezTo>
-                <a:lnTo>
-                  <a:pt x="133" y="36"/>
-                </a:lnTo>
-                <a:close/>
-                <a:moveTo>
-                  <a:pt x="67" y="88"/>
-                </a:moveTo>
-                <a:cubicBezTo>
-                  <a:pt x="67" y="87"/>
-                  <a:pt x="68" y="86"/>
-                  <a:pt x="69" y="86"/>
-                </a:cubicBezTo>
-                <a:cubicBezTo>
-                  <a:pt x="86" y="86"/>
-                  <a:pt x="86" y="86"/>
-                  <a:pt x="86" y="86"/>
-                </a:cubicBezTo>
-                <a:cubicBezTo>
-                  <a:pt x="87" y="86"/>
-                  <a:pt x="88" y="87"/>
-                  <a:pt x="88" y="88"/>
-                </a:cubicBezTo>
-                <a:cubicBezTo>
-                  <a:pt x="88" y="125"/>
-                  <a:pt x="88" y="125"/>
-                  <a:pt x="88" y="125"/>
-                </a:cubicBezTo>
-                <a:cubicBezTo>
-                  <a:pt x="88" y="126"/>
-                  <a:pt x="87" y="127"/>
-                  <a:pt x="86" y="127"/>
-                </a:cubicBezTo>
-                <a:cubicBezTo>
-                  <a:pt x="69" y="127"/>
-                  <a:pt x="69" y="127"/>
-                  <a:pt x="69" y="127"/>
-                </a:cubicBezTo>
-                <a:cubicBezTo>
-                  <a:pt x="68" y="127"/>
-                  <a:pt x="67" y="126"/>
-                  <a:pt x="67" y="125"/>
-                </a:cubicBezTo>
-                <a:lnTo>
-                  <a:pt x="67" y="88"/>
-                </a:lnTo>
-                <a:close/>
-                <a:moveTo>
-                  <a:pt x="93" y="88"/>
-                </a:moveTo>
-                <a:cubicBezTo>
-                  <a:pt x="93" y="87"/>
-                  <a:pt x="94" y="86"/>
-                  <a:pt x="95" y="86"/>
-                </a:cubicBezTo>
-                <a:cubicBezTo>
-                  <a:pt x="112" y="86"/>
-                  <a:pt x="112" y="86"/>
-                  <a:pt x="112" y="86"/>
-                </a:cubicBezTo>
-                <a:cubicBezTo>
-                  <a:pt x="113" y="86"/>
-                  <a:pt x="114" y="87"/>
-                  <a:pt x="114" y="88"/>
-                </a:cubicBezTo>
-                <a:cubicBezTo>
-                  <a:pt x="114" y="125"/>
-                  <a:pt x="114" y="125"/>
-                  <a:pt x="114" y="125"/>
-                </a:cubicBezTo>
-                <a:cubicBezTo>
-                  <a:pt x="114" y="126"/>
-                  <a:pt x="113" y="127"/>
-                  <a:pt x="112" y="127"/>
-                </a:cubicBezTo>
-                <a:cubicBezTo>
-                  <a:pt x="95" y="127"/>
-                  <a:pt x="95" y="127"/>
-                  <a:pt x="95" y="127"/>
-                </a:cubicBezTo>
-                <a:cubicBezTo>
-                  <a:pt x="94" y="127"/>
-                  <a:pt x="93" y="126"/>
-                  <a:pt x="93" y="125"/>
-                </a:cubicBezTo>
-                <a:lnTo>
-                  <a:pt x="93" y="88"/>
-                </a:lnTo>
-                <a:close/>
-              </a:path>
-            </a:pathLst>
-          </a:custGeom>
-          <a:solidFill>
-            <a:schemeClr val="bg2">
-              <a:lumMod val="50000"/>
-            </a:schemeClr>
-          </a:solidFill>
-          <a:ln>
-            <a:noFill/>
-          </a:ln>
-        </p:spPr>
-        <p:txBody>
-          <a:bodyPr vert="horz" wrap="square" lIns="91440" tIns="45720" rIns="91440" bIns="45720" numCol="1" anchor="t" anchorCtr="0" compatLnSpc="1">
-            <a:prstTxWarp prst="textNoShape">
-              <a:avLst/>
-            </a:prstTxWarp>
-          </a:bodyPr>
-          <a:lstStyle/>
-          <a:p>
-            <a:endParaRPr lang="en-US"/>
-          </a:p>
-        </p:txBody>
-      </p:sp>
       <p:grpSp>
         <p:nvGrpSpPr>
-          <p:cNvPr id="32" name="Group 31"/>
+          <p:cNvPr id="38" name="Group 37">
+            <a:extLst>
+              <a:ext uri="{FF2B5EF4-FFF2-40B4-BE49-F238E27FC236}">
+                <a16:creationId xmlns:a16="http://schemas.microsoft.com/office/drawing/2014/main" id="{B1B051C8-3A5B-C248-A93C-5A9E3CFBAAD0}"/>
+              </a:ext>
+            </a:extLst>
+          </p:cNvPr>
           <p:cNvGrpSpPr/>
           <p:nvPr/>
         </p:nvGrpSpPr>
         <p:grpSpPr>
           <a:xfrm>
-            <a:off x="3026291" y="1748481"/>
-            <a:ext cx="1492298" cy="2256830"/>
-            <a:chOff x="2819562" y="2011866"/>
-            <a:chExt cx="1492298" cy="2000121"/>
+            <a:off x="171313" y="2066544"/>
+            <a:ext cx="8801374" cy="1729498"/>
+            <a:chOff x="0" y="978017"/>
+            <a:chExt cx="12192000" cy="2747963"/>
           </a:xfrm>
         </p:grpSpPr>
+        <p:pic>
+          <p:nvPicPr>
+            <p:cNvPr id="39" name="Picture 2">
+              <a:extLst>
+                <a:ext uri="{FF2B5EF4-FFF2-40B4-BE49-F238E27FC236}">
+                  <a16:creationId xmlns:a16="http://schemas.microsoft.com/office/drawing/2014/main" id="{4873E9BA-F1E0-F941-BB56-FCA46226B920}"/>
+                </a:ext>
+              </a:extLst>
+            </p:cNvPr>
+            <p:cNvPicPr>
+              <a:picLocks noChangeAspect="1" noChangeArrowheads="1"/>
+            </p:cNvPicPr>
+            <p:nvPr/>
+          </p:nvPicPr>
+          <p:blipFill>
+            <a:blip r:embed="rId2">
+              <a:extLst>
+                <a:ext uri="{28A0092B-C50C-407E-A947-70E740481C1C}">
+                  <a14:useLocalDpi xmlns:a14="http://schemas.microsoft.com/office/drawing/2010/main" val="0"/>
+                </a:ext>
+              </a:extLst>
+            </a:blip>
+            <a:srcRect/>
+            <a:stretch>
+              <a:fillRect/>
+            </a:stretch>
+          </p:blipFill>
+          <p:spPr bwMode="auto">
+            <a:xfrm>
+              <a:off x="0" y="978017"/>
+              <a:ext cx="12192000" cy="2747963"/>
+            </a:xfrm>
+            <a:prstGeom prst="rect">
+              <a:avLst/>
+            </a:prstGeom>
+            <a:noFill/>
+            <a:extLst>
+              <a:ext uri="{909E8E84-426E-40DD-AFC4-6F175D3DCCD1}">
+                <a14:hiddenFill xmlns:a14="http://schemas.microsoft.com/office/drawing/2010/main">
+                  <a:solidFill>
+                    <a:srgbClr val="FFFFFF"/>
+                  </a:solidFill>
+                </a14:hiddenFill>
+              </a:ext>
+            </a:extLst>
+          </p:spPr>
+        </p:pic>
         <p:sp>
           <p:nvSpPr>
-            <p:cNvPr id="48" name="Rounded Rectangle 47"/>
+            <p:cNvPr id="41" name="Rectangle 40">
+              <a:extLst>
+                <a:ext uri="{FF2B5EF4-FFF2-40B4-BE49-F238E27FC236}">
+                  <a16:creationId xmlns:a16="http://schemas.microsoft.com/office/drawing/2014/main" id="{9072405C-3E50-8E45-91FD-09950A64098A}"/>
+                </a:ext>
+              </a:extLst>
+            </p:cNvPr>
             <p:cNvSpPr/>
             <p:nvPr/>
           </p:nvSpPr>
           <p:spPr>
             <a:xfrm>
-              <a:off x="2852881" y="2879053"/>
-              <a:ext cx="1458979" cy="385014"/>
+              <a:off x="4211624" y="1494344"/>
+              <a:ext cx="2389898" cy="1404974"/>
             </a:xfrm>
-            <a:prstGeom prst="roundRect">
-              <a:avLst>
-                <a:gd name="adj" fmla="val 0"/>
-              </a:avLst>
+            <a:prstGeom prst="rect">
+              <a:avLst/>
             </a:prstGeom>
             <a:solidFill>
-              <a:srgbClr val="D26308"/>
+              <a:srgbClr val="ED7D31"/>
             </a:solidFill>
-            <a:ln>
+            <a:ln w="12700" cap="flat" cmpd="sng" algn="ctr">
               <a:noFill/>
+              <a:prstDash val="solid"/>
+              <a:miter lim="800000"/>
             </a:ln>
+            <a:effectLst/>
           </p:spPr>
-          <p:style>
-            <a:lnRef idx="2">
-              <a:schemeClr val="accent1">
-                <a:shade val="50000"/>
-              </a:schemeClr>
-            </a:lnRef>
-            <a:fillRef idx="1">
-              <a:schemeClr val="accent1"/>
-            </a:fillRef>
-            <a:effectRef idx="0">
-              <a:schemeClr val="accent1"/>
-            </a:effectRef>
-            <a:fontRef idx="minor">
-              <a:schemeClr val="lt1"/>
-            </a:fontRef>
-          </p:style>
           <p:txBody>
-            <a:bodyPr lIns="502920" rtlCol="0" anchor="ctr"/>
+            <a:bodyPr rtlCol="0" anchor="ctr"/>
             <a:lstStyle/>
             <a:p>
+              <a:pPr marL="0" marR="0" lvl="0" indent="0" algn="ctr" defTabSz="914400" eaLnBrk="1" fontAlgn="auto" latinLnBrk="0" hangingPunct="1">
+                <a:lnSpc>
+                  <a:spcPct val="100000"/>
+                </a:lnSpc>
+                <a:spcBef>
+                  <a:spcPts val="0"/>
+                </a:spcBef>
+                <a:spcAft>
+                  <a:spcPts val="0"/>
+                </a:spcAft>
+                <a:buClrTx/>
+                <a:buSzTx/>
+                <a:buFontTx/>
+                <a:buNone/>
+                <a:tabLst/>
+                <a:defRPr/>
+              </a:pPr>
               <a:r>
-                <a:rPr lang="en-US" sz="1000" b="1" dirty="0"/>
-                <a:t>3</a:t>
-              </a:r>
-              <a:r>
-                <a:rPr lang="en-US" sz="1000" b="1" baseline="30000" dirty="0"/>
-                <a:t>rd</a:t>
-              </a:r>
-              <a:r>
-                <a:rPr lang="en-US" sz="1000" b="1" dirty="0"/>
-                <a:t> PARTY APP</a:t>
+                <a:rPr kumimoji="0" lang="en-US" sz="1400" b="0" i="0" u="none" strike="noStrike" kern="0" cap="none" spc="0" normalizeH="0" baseline="0" noProof="0" dirty="0">
+                  <a:ln>
+                    <a:noFill/>
+                  </a:ln>
+                  <a:solidFill>
+                    <a:prstClr val="white"/>
+                  </a:solidFill>
+                  <a:effectLst/>
+                  <a:uLnTx/>
+                  <a:uFillTx/>
+                  <a:latin typeface="Calibri" panose="020F0502020204030204"/>
+                  <a:ea typeface="+mn-ea"/>
+                  <a:cs typeface="+mn-cs"/>
+                </a:rPr>
+                <a:t>Consumer-facing application</a:t>
               </a:r>
             </a:p>
           </p:txBody>
         </p:sp>
-        <p:grpSp>
-          <p:nvGrpSpPr>
-            <p:cNvPr id="24" name="Group 23"/>
-            <p:cNvGrpSpPr/>
-            <p:nvPr/>
-          </p:nvGrpSpPr>
-          <p:grpSpPr>
-            <a:xfrm>
-              <a:off x="2826335" y="2011866"/>
-              <a:ext cx="276226" cy="274638"/>
-              <a:chOff x="3741019" y="157978"/>
-              <a:chExt cx="276226" cy="274638"/>
-            </a:xfrm>
-            <a:solidFill>
-              <a:schemeClr val="bg1"/>
-            </a:solidFill>
-          </p:grpSpPr>
-          <p:sp>
-            <p:nvSpPr>
-              <p:cNvPr id="15" name="Rectangle 5"/>
-              <p:cNvSpPr>
-                <a:spLocks noChangeArrowheads="1"/>
-              </p:cNvSpPr>
-              <p:nvPr/>
-            </p:nvSpPr>
-            <p:spPr bwMode="auto">
-              <a:xfrm>
-                <a:off x="3741019" y="157978"/>
-                <a:ext cx="65088" cy="65087"/>
-              </a:xfrm>
-              <a:prstGeom prst="rect">
-                <a:avLst/>
-              </a:prstGeom>
-              <a:grpFill/>
-              <a:ln>
-                <a:noFill/>
-              </a:ln>
-              <a:extLst>
-                <a:ext uri="{91240B29-F687-4F45-9708-019B960494DF}">
-                  <a14:hiddenLine xmlns:a14="http://schemas.microsoft.com/office/drawing/2010/main" w="9525">
-                    <a:solidFill>
-                      <a:srgbClr val="000000"/>
-                    </a:solidFill>
-                    <a:miter lim="800000"/>
-                    <a:headEnd/>
-                    <a:tailEnd/>
-                  </a14:hiddenLine>
-                </a:ext>
-              </a:extLst>
-            </p:spPr>
-            <p:txBody>
-              <a:bodyPr vert="horz" wrap="square" lIns="91440" tIns="45720" rIns="91440" bIns="45720" numCol="1" anchor="t" anchorCtr="0" compatLnSpc="1">
-                <a:prstTxWarp prst="textNoShape">
-                  <a:avLst/>
-                </a:prstTxWarp>
-              </a:bodyPr>
-              <a:lstStyle/>
-              <a:p>
-                <a:endParaRPr lang="en-US"/>
-              </a:p>
-            </p:txBody>
-          </p:sp>
-          <p:sp>
-            <p:nvSpPr>
-              <p:cNvPr id="16" name="Rectangle 6"/>
-              <p:cNvSpPr>
-                <a:spLocks noChangeArrowheads="1"/>
-              </p:cNvSpPr>
-              <p:nvPr/>
-            </p:nvSpPr>
-            <p:spPr bwMode="auto">
-              <a:xfrm>
-                <a:off x="3741019" y="262753"/>
-                <a:ext cx="65088" cy="65087"/>
-              </a:xfrm>
-              <a:prstGeom prst="rect">
-                <a:avLst/>
-              </a:prstGeom>
-              <a:grpFill/>
-              <a:ln>
-                <a:noFill/>
-              </a:ln>
-              <a:extLst>
-                <a:ext uri="{91240B29-F687-4F45-9708-019B960494DF}">
-                  <a14:hiddenLine xmlns:a14="http://schemas.microsoft.com/office/drawing/2010/main" w="9525">
-                    <a:solidFill>
-                      <a:srgbClr val="000000"/>
-                    </a:solidFill>
-                    <a:miter lim="800000"/>
-                    <a:headEnd/>
-                    <a:tailEnd/>
-                  </a14:hiddenLine>
-                </a:ext>
-              </a:extLst>
-            </p:spPr>
-            <p:txBody>
-              <a:bodyPr vert="horz" wrap="square" lIns="91440" tIns="45720" rIns="91440" bIns="45720" numCol="1" anchor="t" anchorCtr="0" compatLnSpc="1">
-                <a:prstTxWarp prst="textNoShape">
-                  <a:avLst/>
-                </a:prstTxWarp>
-              </a:bodyPr>
-              <a:lstStyle/>
-              <a:p>
-                <a:endParaRPr lang="en-US"/>
-              </a:p>
-            </p:txBody>
-          </p:sp>
-          <p:sp>
-            <p:nvSpPr>
-              <p:cNvPr id="17" name="Rectangle 7"/>
-              <p:cNvSpPr>
-                <a:spLocks noChangeArrowheads="1"/>
-              </p:cNvSpPr>
-              <p:nvPr/>
-            </p:nvSpPr>
-            <p:spPr bwMode="auto">
-              <a:xfrm>
-                <a:off x="3741019" y="369116"/>
-                <a:ext cx="65088" cy="63500"/>
-              </a:xfrm>
-              <a:prstGeom prst="rect">
-                <a:avLst/>
-              </a:prstGeom>
-              <a:grpFill/>
-              <a:ln>
-                <a:noFill/>
-              </a:ln>
-              <a:extLst>
-                <a:ext uri="{91240B29-F687-4F45-9708-019B960494DF}">
-                  <a14:hiddenLine xmlns:a14="http://schemas.microsoft.com/office/drawing/2010/main" w="9525">
-                    <a:solidFill>
-                      <a:srgbClr val="000000"/>
-                    </a:solidFill>
-                    <a:miter lim="800000"/>
-                    <a:headEnd/>
-                    <a:tailEnd/>
-                  </a14:hiddenLine>
-                </a:ext>
-              </a:extLst>
-            </p:spPr>
-            <p:txBody>
-              <a:bodyPr vert="horz" wrap="square" lIns="91440" tIns="45720" rIns="91440" bIns="45720" numCol="1" anchor="t" anchorCtr="0" compatLnSpc="1">
-                <a:prstTxWarp prst="textNoShape">
-                  <a:avLst/>
-                </a:prstTxWarp>
-              </a:bodyPr>
-              <a:lstStyle/>
-              <a:p>
-                <a:endParaRPr lang="en-US"/>
-              </a:p>
-            </p:txBody>
-          </p:sp>
-          <p:sp>
-            <p:nvSpPr>
-              <p:cNvPr id="18" name="Rectangle 8"/>
-              <p:cNvSpPr>
-                <a:spLocks noChangeArrowheads="1"/>
-              </p:cNvSpPr>
-              <p:nvPr/>
-            </p:nvSpPr>
-            <p:spPr bwMode="auto">
-              <a:xfrm>
-                <a:off x="3845794" y="369116"/>
-                <a:ext cx="65088" cy="63500"/>
-              </a:xfrm>
-              <a:prstGeom prst="rect">
-                <a:avLst/>
-              </a:prstGeom>
-              <a:grpFill/>
-              <a:ln>
-                <a:noFill/>
-              </a:ln>
-              <a:extLst>
-                <a:ext uri="{91240B29-F687-4F45-9708-019B960494DF}">
-                  <a14:hiddenLine xmlns:a14="http://schemas.microsoft.com/office/drawing/2010/main" w="9525">
-                    <a:solidFill>
-                      <a:srgbClr val="000000"/>
-                    </a:solidFill>
-                    <a:miter lim="800000"/>
-                    <a:headEnd/>
-                    <a:tailEnd/>
-                  </a14:hiddenLine>
-                </a:ext>
-              </a:extLst>
-            </p:spPr>
-            <p:txBody>
-              <a:bodyPr vert="horz" wrap="square" lIns="91440" tIns="45720" rIns="91440" bIns="45720" numCol="1" anchor="t" anchorCtr="0" compatLnSpc="1">
-                <a:prstTxWarp prst="textNoShape">
-                  <a:avLst/>
-                </a:prstTxWarp>
-              </a:bodyPr>
-              <a:lstStyle/>
-              <a:p>
-                <a:endParaRPr lang="en-US"/>
-              </a:p>
-            </p:txBody>
-          </p:sp>
-          <p:sp>
-            <p:nvSpPr>
-              <p:cNvPr id="19" name="Rectangle 9"/>
-              <p:cNvSpPr>
-                <a:spLocks noChangeArrowheads="1"/>
-              </p:cNvSpPr>
-              <p:nvPr/>
-            </p:nvSpPr>
-            <p:spPr bwMode="auto">
-              <a:xfrm>
-                <a:off x="3952157" y="369116"/>
-                <a:ext cx="65088" cy="63500"/>
-              </a:xfrm>
-              <a:prstGeom prst="rect">
-                <a:avLst/>
-              </a:prstGeom>
-              <a:grpFill/>
-              <a:ln>
-                <a:noFill/>
-              </a:ln>
-              <a:extLst>
-                <a:ext uri="{91240B29-F687-4F45-9708-019B960494DF}">
-                  <a14:hiddenLine xmlns:a14="http://schemas.microsoft.com/office/drawing/2010/main" w="9525">
-                    <a:solidFill>
-                      <a:srgbClr val="000000"/>
-                    </a:solidFill>
-                    <a:miter lim="800000"/>
-                    <a:headEnd/>
-                    <a:tailEnd/>
-                  </a14:hiddenLine>
-                </a:ext>
-              </a:extLst>
-            </p:spPr>
-            <p:txBody>
-              <a:bodyPr vert="horz" wrap="square" lIns="91440" tIns="45720" rIns="91440" bIns="45720" numCol="1" anchor="t" anchorCtr="0" compatLnSpc="1">
-                <a:prstTxWarp prst="textNoShape">
-                  <a:avLst/>
-                </a:prstTxWarp>
-              </a:bodyPr>
-              <a:lstStyle/>
-              <a:p>
-                <a:endParaRPr lang="en-US"/>
-              </a:p>
-            </p:txBody>
-          </p:sp>
-          <p:sp>
-            <p:nvSpPr>
-              <p:cNvPr id="20" name="Rectangle 10"/>
-              <p:cNvSpPr>
-                <a:spLocks noChangeArrowheads="1"/>
-              </p:cNvSpPr>
-              <p:nvPr/>
-            </p:nvSpPr>
-            <p:spPr bwMode="auto">
-              <a:xfrm>
-                <a:off x="3952157" y="262753"/>
-                <a:ext cx="65088" cy="65087"/>
-              </a:xfrm>
-              <a:prstGeom prst="rect">
-                <a:avLst/>
-              </a:prstGeom>
-              <a:grpFill/>
-              <a:ln>
-                <a:noFill/>
-              </a:ln>
-              <a:extLst>
-                <a:ext uri="{91240B29-F687-4F45-9708-019B960494DF}">
-                  <a14:hiddenLine xmlns:a14="http://schemas.microsoft.com/office/drawing/2010/main" w="9525">
-                    <a:solidFill>
-                      <a:srgbClr val="000000"/>
-                    </a:solidFill>
-                    <a:miter lim="800000"/>
-                    <a:headEnd/>
-                    <a:tailEnd/>
-                  </a14:hiddenLine>
-                </a:ext>
-              </a:extLst>
-            </p:spPr>
-            <p:txBody>
-              <a:bodyPr vert="horz" wrap="square" lIns="91440" tIns="45720" rIns="91440" bIns="45720" numCol="1" anchor="t" anchorCtr="0" compatLnSpc="1">
-                <a:prstTxWarp prst="textNoShape">
-                  <a:avLst/>
-                </a:prstTxWarp>
-              </a:bodyPr>
-              <a:lstStyle/>
-              <a:p>
-                <a:endParaRPr lang="en-US"/>
-              </a:p>
-            </p:txBody>
-          </p:sp>
-          <p:sp>
-            <p:nvSpPr>
-              <p:cNvPr id="21" name="Rectangle 11"/>
-              <p:cNvSpPr>
-                <a:spLocks noChangeArrowheads="1"/>
-              </p:cNvSpPr>
-              <p:nvPr/>
-            </p:nvSpPr>
-            <p:spPr bwMode="auto">
-              <a:xfrm>
-                <a:off x="3845794" y="262753"/>
-                <a:ext cx="65088" cy="65087"/>
-              </a:xfrm>
-              <a:prstGeom prst="rect">
-                <a:avLst/>
-              </a:prstGeom>
-              <a:grpFill/>
-              <a:ln>
-                <a:noFill/>
-              </a:ln>
-              <a:extLst>
-                <a:ext uri="{91240B29-F687-4F45-9708-019B960494DF}">
-                  <a14:hiddenLine xmlns:a14="http://schemas.microsoft.com/office/drawing/2010/main" w="9525">
-                    <a:solidFill>
-                      <a:srgbClr val="000000"/>
-                    </a:solidFill>
-                    <a:miter lim="800000"/>
-                    <a:headEnd/>
-                    <a:tailEnd/>
-                  </a14:hiddenLine>
-                </a:ext>
-              </a:extLst>
-            </p:spPr>
-            <p:txBody>
-              <a:bodyPr vert="horz" wrap="square" lIns="91440" tIns="45720" rIns="91440" bIns="45720" numCol="1" anchor="t" anchorCtr="0" compatLnSpc="1">
-                <a:prstTxWarp prst="textNoShape">
-                  <a:avLst/>
-                </a:prstTxWarp>
-              </a:bodyPr>
-              <a:lstStyle/>
-              <a:p>
-                <a:endParaRPr lang="en-US"/>
-              </a:p>
-            </p:txBody>
-          </p:sp>
-          <p:sp>
-            <p:nvSpPr>
-              <p:cNvPr id="22" name="Rectangle 12"/>
-              <p:cNvSpPr>
-                <a:spLocks noChangeArrowheads="1"/>
-              </p:cNvSpPr>
-              <p:nvPr/>
-            </p:nvSpPr>
-            <p:spPr bwMode="auto">
-              <a:xfrm>
-                <a:off x="3845794" y="157978"/>
-                <a:ext cx="65088" cy="65087"/>
-              </a:xfrm>
-              <a:prstGeom prst="rect">
-                <a:avLst/>
-              </a:prstGeom>
-              <a:grpFill/>
-              <a:ln>
-                <a:noFill/>
-              </a:ln>
-              <a:extLst>
-                <a:ext uri="{91240B29-F687-4F45-9708-019B960494DF}">
-                  <a14:hiddenLine xmlns:a14="http://schemas.microsoft.com/office/drawing/2010/main" w="9525">
-                    <a:solidFill>
-                      <a:srgbClr val="000000"/>
-                    </a:solidFill>
-                    <a:miter lim="800000"/>
-                    <a:headEnd/>
-                    <a:tailEnd/>
-                  </a14:hiddenLine>
-                </a:ext>
-              </a:extLst>
-            </p:spPr>
-            <p:txBody>
-              <a:bodyPr vert="horz" wrap="square" lIns="91440" tIns="45720" rIns="91440" bIns="45720" numCol="1" anchor="t" anchorCtr="0" compatLnSpc="1">
-                <a:prstTxWarp prst="textNoShape">
-                  <a:avLst/>
-                </a:prstTxWarp>
-              </a:bodyPr>
-              <a:lstStyle/>
-              <a:p>
-                <a:endParaRPr lang="en-US"/>
-              </a:p>
-            </p:txBody>
-          </p:sp>
-          <p:sp>
-            <p:nvSpPr>
-              <p:cNvPr id="23" name="Rectangle 13"/>
-              <p:cNvSpPr>
-                <a:spLocks noChangeArrowheads="1"/>
-              </p:cNvSpPr>
-              <p:nvPr/>
-            </p:nvSpPr>
-            <p:spPr bwMode="auto">
-              <a:xfrm>
-                <a:off x="3952157" y="157978"/>
-                <a:ext cx="65088" cy="65087"/>
-              </a:xfrm>
-              <a:prstGeom prst="rect">
-                <a:avLst/>
-              </a:prstGeom>
-              <a:grpFill/>
-              <a:ln>
-                <a:noFill/>
-              </a:ln>
-              <a:extLst>
-                <a:ext uri="{91240B29-F687-4F45-9708-019B960494DF}">
-                  <a14:hiddenLine xmlns:a14="http://schemas.microsoft.com/office/drawing/2010/main" w="9525">
-                    <a:solidFill>
-                      <a:srgbClr val="000000"/>
-                    </a:solidFill>
-                    <a:miter lim="800000"/>
-                    <a:headEnd/>
-                    <a:tailEnd/>
-                  </a14:hiddenLine>
-                </a:ext>
-              </a:extLst>
-            </p:spPr>
-            <p:txBody>
-              <a:bodyPr vert="horz" wrap="square" lIns="91440" tIns="45720" rIns="91440" bIns="45720" numCol="1" anchor="t" anchorCtr="0" compatLnSpc="1">
-                <a:prstTxWarp prst="textNoShape">
-                  <a:avLst/>
-                </a:prstTxWarp>
-              </a:bodyPr>
-              <a:lstStyle/>
-              <a:p>
-                <a:endParaRPr lang="en-US"/>
-              </a:p>
-            </p:txBody>
-          </p:sp>
-        </p:grpSp>
-        <p:sp>
-          <p:nvSpPr>
-            <p:cNvPr id="27" name="Freeform 17"/>
-            <p:cNvSpPr>
-              <a:spLocks noEditPoints="1"/>
-            </p:cNvSpPr>
-            <p:nvPr/>
-          </p:nvSpPr>
-          <p:spPr bwMode="auto">
-            <a:xfrm>
-              <a:off x="2819562" y="2415738"/>
-              <a:ext cx="291306" cy="290211"/>
-            </a:xfrm>
-            <a:custGeom>
-              <a:avLst/>
-              <a:gdLst>
-                <a:gd name="T0" fmla="*/ 28 w 216"/>
-                <a:gd name="T1" fmla="*/ 56 h 216"/>
-                <a:gd name="T2" fmla="*/ 0 w 216"/>
-                <a:gd name="T3" fmla="*/ 28 h 216"/>
-                <a:gd name="T4" fmla="*/ 28 w 216"/>
-                <a:gd name="T5" fmla="*/ 0 h 216"/>
-                <a:gd name="T6" fmla="*/ 56 w 216"/>
-                <a:gd name="T7" fmla="*/ 28 h 216"/>
-                <a:gd name="T8" fmla="*/ 28 w 216"/>
-                <a:gd name="T9" fmla="*/ 56 h 216"/>
-                <a:gd name="T10" fmla="*/ 108 w 216"/>
-                <a:gd name="T11" fmla="*/ 56 h 216"/>
-                <a:gd name="T12" fmla="*/ 80 w 216"/>
-                <a:gd name="T13" fmla="*/ 28 h 216"/>
-                <a:gd name="T14" fmla="*/ 108 w 216"/>
-                <a:gd name="T15" fmla="*/ 0 h 216"/>
-                <a:gd name="T16" fmla="*/ 136 w 216"/>
-                <a:gd name="T17" fmla="*/ 28 h 216"/>
-                <a:gd name="T18" fmla="*/ 108 w 216"/>
-                <a:gd name="T19" fmla="*/ 56 h 216"/>
-                <a:gd name="T20" fmla="*/ 188 w 216"/>
-                <a:gd name="T21" fmla="*/ 56 h 216"/>
-                <a:gd name="T22" fmla="*/ 160 w 216"/>
-                <a:gd name="T23" fmla="*/ 28 h 216"/>
-                <a:gd name="T24" fmla="*/ 188 w 216"/>
-                <a:gd name="T25" fmla="*/ 0 h 216"/>
-                <a:gd name="T26" fmla="*/ 216 w 216"/>
-                <a:gd name="T27" fmla="*/ 28 h 216"/>
-                <a:gd name="T28" fmla="*/ 188 w 216"/>
-                <a:gd name="T29" fmla="*/ 56 h 216"/>
-                <a:gd name="T30" fmla="*/ 188 w 216"/>
-                <a:gd name="T31" fmla="*/ 136 h 216"/>
-                <a:gd name="T32" fmla="*/ 160 w 216"/>
-                <a:gd name="T33" fmla="*/ 108 h 216"/>
-                <a:gd name="T34" fmla="*/ 188 w 216"/>
-                <a:gd name="T35" fmla="*/ 80 h 216"/>
-                <a:gd name="T36" fmla="*/ 216 w 216"/>
-                <a:gd name="T37" fmla="*/ 108 h 216"/>
-                <a:gd name="T38" fmla="*/ 188 w 216"/>
-                <a:gd name="T39" fmla="*/ 136 h 216"/>
-                <a:gd name="T40" fmla="*/ 108 w 216"/>
-                <a:gd name="T41" fmla="*/ 136 h 216"/>
-                <a:gd name="T42" fmla="*/ 80 w 216"/>
-                <a:gd name="T43" fmla="*/ 108 h 216"/>
-                <a:gd name="T44" fmla="*/ 108 w 216"/>
-                <a:gd name="T45" fmla="*/ 80 h 216"/>
-                <a:gd name="T46" fmla="*/ 136 w 216"/>
-                <a:gd name="T47" fmla="*/ 108 h 216"/>
-                <a:gd name="T48" fmla="*/ 108 w 216"/>
-                <a:gd name="T49" fmla="*/ 136 h 216"/>
-                <a:gd name="T50" fmla="*/ 28 w 216"/>
-                <a:gd name="T51" fmla="*/ 136 h 216"/>
-                <a:gd name="T52" fmla="*/ 0 w 216"/>
-                <a:gd name="T53" fmla="*/ 108 h 216"/>
-                <a:gd name="T54" fmla="*/ 28 w 216"/>
-                <a:gd name="T55" fmla="*/ 80 h 216"/>
-                <a:gd name="T56" fmla="*/ 56 w 216"/>
-                <a:gd name="T57" fmla="*/ 108 h 216"/>
-                <a:gd name="T58" fmla="*/ 28 w 216"/>
-                <a:gd name="T59" fmla="*/ 136 h 216"/>
-                <a:gd name="T60" fmla="*/ 28 w 216"/>
-                <a:gd name="T61" fmla="*/ 216 h 216"/>
-                <a:gd name="T62" fmla="*/ 0 w 216"/>
-                <a:gd name="T63" fmla="*/ 188 h 216"/>
-                <a:gd name="T64" fmla="*/ 28 w 216"/>
-                <a:gd name="T65" fmla="*/ 160 h 216"/>
-                <a:gd name="T66" fmla="*/ 56 w 216"/>
-                <a:gd name="T67" fmla="*/ 188 h 216"/>
-                <a:gd name="T68" fmla="*/ 28 w 216"/>
-                <a:gd name="T69" fmla="*/ 216 h 216"/>
-                <a:gd name="T70" fmla="*/ 108 w 216"/>
-                <a:gd name="T71" fmla="*/ 216 h 216"/>
-                <a:gd name="T72" fmla="*/ 80 w 216"/>
-                <a:gd name="T73" fmla="*/ 188 h 216"/>
-                <a:gd name="T74" fmla="*/ 108 w 216"/>
-                <a:gd name="T75" fmla="*/ 160 h 216"/>
-                <a:gd name="T76" fmla="*/ 136 w 216"/>
-                <a:gd name="T77" fmla="*/ 188 h 216"/>
-                <a:gd name="T78" fmla="*/ 108 w 216"/>
-                <a:gd name="T79" fmla="*/ 216 h 216"/>
-                <a:gd name="T80" fmla="*/ 188 w 216"/>
-                <a:gd name="T81" fmla="*/ 216 h 216"/>
-                <a:gd name="T82" fmla="*/ 160 w 216"/>
-                <a:gd name="T83" fmla="*/ 188 h 216"/>
-                <a:gd name="T84" fmla="*/ 188 w 216"/>
-                <a:gd name="T85" fmla="*/ 160 h 216"/>
-                <a:gd name="T86" fmla="*/ 216 w 216"/>
-                <a:gd name="T87" fmla="*/ 188 h 216"/>
-                <a:gd name="T88" fmla="*/ 188 w 216"/>
-                <a:gd name="T89" fmla="*/ 216 h 216"/>
-              </a:gdLst>
-              <a:ahLst/>
-              <a:cxnLst>
-                <a:cxn ang="0">
-                  <a:pos x="T0" y="T1"/>
-                </a:cxn>
-                <a:cxn ang="0">
-                  <a:pos x="T2" y="T3"/>
-                </a:cxn>
-                <a:cxn ang="0">
-                  <a:pos x="T4" y="T5"/>
-                </a:cxn>
-                <a:cxn ang="0">
-                  <a:pos x="T6" y="T7"/>
-                </a:cxn>
-                <a:cxn ang="0">
-                  <a:pos x="T8" y="T9"/>
-                </a:cxn>
-                <a:cxn ang="0">
-                  <a:pos x="T10" y="T11"/>
-                </a:cxn>
-                <a:cxn ang="0">
-                  <a:pos x="T12" y="T13"/>
-                </a:cxn>
-                <a:cxn ang="0">
-                  <a:pos x="T14" y="T15"/>
-                </a:cxn>
-                <a:cxn ang="0">
-                  <a:pos x="T16" y="T17"/>
-                </a:cxn>
-                <a:cxn ang="0">
-                  <a:pos x="T18" y="T19"/>
-                </a:cxn>
-                <a:cxn ang="0">
-                  <a:pos x="T20" y="T21"/>
-                </a:cxn>
-                <a:cxn ang="0">
-                  <a:pos x="T22" y="T23"/>
-                </a:cxn>
-                <a:cxn ang="0">
-                  <a:pos x="T24" y="T25"/>
-                </a:cxn>
-                <a:cxn ang="0">
-                  <a:pos x="T26" y="T27"/>
-                </a:cxn>
-                <a:cxn ang="0">
-                  <a:pos x="T28" y="T29"/>
-                </a:cxn>
-                <a:cxn ang="0">
-                  <a:pos x="T30" y="T31"/>
-                </a:cxn>
-                <a:cxn ang="0">
-                  <a:pos x="T32" y="T33"/>
-                </a:cxn>
-                <a:cxn ang="0">
-                  <a:pos x="T34" y="T35"/>
-                </a:cxn>
-                <a:cxn ang="0">
-                  <a:pos x="T36" y="T37"/>
-                </a:cxn>
-                <a:cxn ang="0">
-                  <a:pos x="T38" y="T39"/>
-                </a:cxn>
-                <a:cxn ang="0">
-                  <a:pos x="T40" y="T41"/>
-                </a:cxn>
-                <a:cxn ang="0">
-                  <a:pos x="T42" y="T43"/>
-                </a:cxn>
-                <a:cxn ang="0">
-                  <a:pos x="T44" y="T45"/>
-                </a:cxn>
-                <a:cxn ang="0">
-                  <a:pos x="T46" y="T47"/>
-                </a:cxn>
-                <a:cxn ang="0">
-                  <a:pos x="T48" y="T49"/>
-                </a:cxn>
-                <a:cxn ang="0">
-                  <a:pos x="T50" y="T51"/>
-                </a:cxn>
-                <a:cxn ang="0">
-                  <a:pos x="T52" y="T53"/>
-                </a:cxn>
-                <a:cxn ang="0">
-                  <a:pos x="T54" y="T55"/>
-                </a:cxn>
-                <a:cxn ang="0">
-                  <a:pos x="T56" y="T57"/>
-                </a:cxn>
-                <a:cxn ang="0">
-                  <a:pos x="T58" y="T59"/>
-                </a:cxn>
-                <a:cxn ang="0">
-                  <a:pos x="T60" y="T61"/>
-                </a:cxn>
-                <a:cxn ang="0">
-                  <a:pos x="T62" y="T63"/>
-                </a:cxn>
-                <a:cxn ang="0">
-                  <a:pos x="T64" y="T65"/>
-                </a:cxn>
-                <a:cxn ang="0">
-                  <a:pos x="T66" y="T67"/>
-                </a:cxn>
-                <a:cxn ang="0">
-                  <a:pos x="T68" y="T69"/>
-                </a:cxn>
-                <a:cxn ang="0">
-                  <a:pos x="T70" y="T71"/>
-                </a:cxn>
-                <a:cxn ang="0">
-                  <a:pos x="T72" y="T73"/>
-                </a:cxn>
-                <a:cxn ang="0">
-                  <a:pos x="T74" y="T75"/>
-                </a:cxn>
-                <a:cxn ang="0">
-                  <a:pos x="T76" y="T77"/>
-                </a:cxn>
-                <a:cxn ang="0">
-                  <a:pos x="T78" y="T79"/>
-                </a:cxn>
-                <a:cxn ang="0">
-                  <a:pos x="T80" y="T81"/>
-                </a:cxn>
-                <a:cxn ang="0">
-                  <a:pos x="T82" y="T83"/>
-                </a:cxn>
-                <a:cxn ang="0">
-                  <a:pos x="T84" y="T85"/>
-                </a:cxn>
-                <a:cxn ang="0">
-                  <a:pos x="T86" y="T87"/>
-                </a:cxn>
-                <a:cxn ang="0">
-                  <a:pos x="T88" y="T89"/>
-                </a:cxn>
-              </a:cxnLst>
-              <a:rect l="0" t="0" r="r" b="b"/>
-              <a:pathLst>
-                <a:path w="216" h="216">
-                  <a:moveTo>
-                    <a:pt x="28" y="56"/>
-                  </a:moveTo>
-                  <a:cubicBezTo>
-                    <a:pt x="13" y="56"/>
-                    <a:pt x="0" y="43"/>
-                    <a:pt x="0" y="28"/>
-                  </a:cubicBezTo>
-                  <a:cubicBezTo>
-                    <a:pt x="0" y="13"/>
-                    <a:pt x="13" y="0"/>
-                    <a:pt x="28" y="0"/>
-                  </a:cubicBezTo>
-                  <a:cubicBezTo>
-                    <a:pt x="43" y="0"/>
-                    <a:pt x="56" y="13"/>
-                    <a:pt x="56" y="28"/>
-                  </a:cubicBezTo>
-                  <a:cubicBezTo>
-                    <a:pt x="56" y="43"/>
-                    <a:pt x="43" y="56"/>
-                    <a:pt x="28" y="56"/>
-                  </a:cubicBezTo>
-                  <a:close/>
-                  <a:moveTo>
-                    <a:pt x="108" y="56"/>
-                  </a:moveTo>
-                  <a:cubicBezTo>
-                    <a:pt x="93" y="56"/>
-                    <a:pt x="80" y="43"/>
-                    <a:pt x="80" y="28"/>
-                  </a:cubicBezTo>
-                  <a:cubicBezTo>
-                    <a:pt x="80" y="13"/>
-                    <a:pt x="93" y="0"/>
-                    <a:pt x="108" y="0"/>
-                  </a:cubicBezTo>
-                  <a:cubicBezTo>
-                    <a:pt x="123" y="0"/>
-                    <a:pt x="136" y="13"/>
-                    <a:pt x="136" y="28"/>
-                  </a:cubicBezTo>
-                  <a:cubicBezTo>
-                    <a:pt x="136" y="43"/>
-                    <a:pt x="123" y="56"/>
-                    <a:pt x="108" y="56"/>
-                  </a:cubicBezTo>
-                  <a:close/>
-                  <a:moveTo>
-                    <a:pt x="188" y="56"/>
-                  </a:moveTo>
-                  <a:cubicBezTo>
-                    <a:pt x="173" y="56"/>
-                    <a:pt x="160" y="43"/>
-                    <a:pt x="160" y="28"/>
-                  </a:cubicBezTo>
-                  <a:cubicBezTo>
-                    <a:pt x="160" y="13"/>
-                    <a:pt x="173" y="0"/>
-                    <a:pt x="188" y="0"/>
-                  </a:cubicBezTo>
-                  <a:cubicBezTo>
-                    <a:pt x="203" y="0"/>
-                    <a:pt x="216" y="13"/>
-                    <a:pt x="216" y="28"/>
-                  </a:cubicBezTo>
-                  <a:cubicBezTo>
-                    <a:pt x="216" y="43"/>
-                    <a:pt x="203" y="56"/>
-                    <a:pt x="188" y="56"/>
-                  </a:cubicBezTo>
-                  <a:close/>
-                  <a:moveTo>
-                    <a:pt x="188" y="136"/>
-                  </a:moveTo>
-                  <a:cubicBezTo>
-                    <a:pt x="173" y="136"/>
-                    <a:pt x="160" y="123"/>
-                    <a:pt x="160" y="108"/>
-                  </a:cubicBezTo>
-                  <a:cubicBezTo>
-                    <a:pt x="160" y="93"/>
-                    <a:pt x="173" y="80"/>
-                    <a:pt x="188" y="80"/>
-                  </a:cubicBezTo>
-                  <a:cubicBezTo>
-                    <a:pt x="203" y="80"/>
-                    <a:pt x="216" y="93"/>
-                    <a:pt x="216" y="108"/>
-                  </a:cubicBezTo>
-                  <a:cubicBezTo>
-                    <a:pt x="216" y="123"/>
-                    <a:pt x="203" y="136"/>
-                    <a:pt x="188" y="136"/>
-                  </a:cubicBezTo>
-                  <a:close/>
-                  <a:moveTo>
-                    <a:pt x="108" y="136"/>
-                  </a:moveTo>
-                  <a:cubicBezTo>
-                    <a:pt x="93" y="136"/>
-                    <a:pt x="80" y="123"/>
-                    <a:pt x="80" y="108"/>
-                  </a:cubicBezTo>
-                  <a:cubicBezTo>
-                    <a:pt x="80" y="93"/>
-                    <a:pt x="93" y="80"/>
-                    <a:pt x="108" y="80"/>
-                  </a:cubicBezTo>
-                  <a:cubicBezTo>
-                    <a:pt x="123" y="80"/>
-                    <a:pt x="136" y="93"/>
-                    <a:pt x="136" y="108"/>
-                  </a:cubicBezTo>
-                  <a:cubicBezTo>
-                    <a:pt x="136" y="123"/>
-                    <a:pt x="123" y="136"/>
-                    <a:pt x="108" y="136"/>
-                  </a:cubicBezTo>
-                  <a:close/>
-                  <a:moveTo>
-                    <a:pt x="28" y="136"/>
-                  </a:moveTo>
-                  <a:cubicBezTo>
-                    <a:pt x="13" y="136"/>
-                    <a:pt x="0" y="123"/>
-                    <a:pt x="0" y="108"/>
-                  </a:cubicBezTo>
-                  <a:cubicBezTo>
-                    <a:pt x="0" y="93"/>
-                    <a:pt x="13" y="80"/>
-                    <a:pt x="28" y="80"/>
-                  </a:cubicBezTo>
-                  <a:cubicBezTo>
-                    <a:pt x="43" y="80"/>
-                    <a:pt x="56" y="93"/>
-                    <a:pt x="56" y="108"/>
-                  </a:cubicBezTo>
-                  <a:cubicBezTo>
-                    <a:pt x="56" y="123"/>
-                    <a:pt x="43" y="136"/>
-                    <a:pt x="28" y="136"/>
-                  </a:cubicBezTo>
-                  <a:close/>
-                  <a:moveTo>
-                    <a:pt x="28" y="216"/>
-                  </a:moveTo>
-                  <a:cubicBezTo>
-                    <a:pt x="13" y="216"/>
-                    <a:pt x="0" y="203"/>
-                    <a:pt x="0" y="188"/>
-                  </a:cubicBezTo>
-                  <a:cubicBezTo>
-                    <a:pt x="0" y="173"/>
-                    <a:pt x="13" y="160"/>
-                    <a:pt x="28" y="160"/>
-                  </a:cubicBezTo>
-                  <a:cubicBezTo>
-                    <a:pt x="43" y="160"/>
-                    <a:pt x="56" y="173"/>
-                    <a:pt x="56" y="188"/>
-                  </a:cubicBezTo>
-                  <a:cubicBezTo>
-                    <a:pt x="56" y="203"/>
-                    <a:pt x="43" y="216"/>
-                    <a:pt x="28" y="216"/>
-                  </a:cubicBezTo>
-                  <a:close/>
-                  <a:moveTo>
-                    <a:pt x="108" y="216"/>
-                  </a:moveTo>
-                  <a:cubicBezTo>
-                    <a:pt x="93" y="216"/>
-                    <a:pt x="80" y="203"/>
-                    <a:pt x="80" y="188"/>
-                  </a:cubicBezTo>
-                  <a:cubicBezTo>
-                    <a:pt x="80" y="173"/>
-                    <a:pt x="93" y="160"/>
-                    <a:pt x="108" y="160"/>
-                  </a:cubicBezTo>
-                  <a:cubicBezTo>
-                    <a:pt x="123" y="160"/>
-                    <a:pt x="136" y="173"/>
-                    <a:pt x="136" y="188"/>
-                  </a:cubicBezTo>
-                  <a:cubicBezTo>
-                    <a:pt x="136" y="203"/>
-                    <a:pt x="123" y="216"/>
-                    <a:pt x="108" y="216"/>
-                  </a:cubicBezTo>
-                  <a:close/>
-                  <a:moveTo>
-                    <a:pt x="188" y="216"/>
-                  </a:moveTo>
-                  <a:cubicBezTo>
-                    <a:pt x="173" y="216"/>
-                    <a:pt x="160" y="203"/>
-                    <a:pt x="160" y="188"/>
-                  </a:cubicBezTo>
-                  <a:cubicBezTo>
-                    <a:pt x="160" y="173"/>
-                    <a:pt x="173" y="160"/>
-                    <a:pt x="188" y="160"/>
-                  </a:cubicBezTo>
-                  <a:cubicBezTo>
-                    <a:pt x="203" y="160"/>
-                    <a:pt x="216" y="173"/>
-                    <a:pt x="216" y="188"/>
-                  </a:cubicBezTo>
-                  <a:cubicBezTo>
-                    <a:pt x="216" y="203"/>
-                    <a:pt x="203" y="216"/>
-                    <a:pt x="188" y="216"/>
-                  </a:cubicBezTo>
-                  <a:close/>
-                </a:path>
-              </a:pathLst>
-            </a:custGeom>
-            <a:solidFill>
-              <a:schemeClr val="bg1"/>
-            </a:solidFill>
-            <a:ln>
-              <a:noFill/>
-            </a:ln>
-          </p:spPr>
-          <p:txBody>
-            <a:bodyPr vert="horz" wrap="square" lIns="91440" tIns="45720" rIns="91440" bIns="45720" numCol="1" anchor="t" anchorCtr="0" compatLnSpc="1">
-              <a:prstTxWarp prst="textNoShape">
-                <a:avLst/>
-              </a:prstTxWarp>
-            </a:bodyPr>
-            <a:lstStyle/>
-            <a:p>
-              <a:endParaRPr lang="en-US"/>
-            </a:p>
-          </p:txBody>
-        </p:sp>
-        <p:grpSp>
-          <p:nvGrpSpPr>
-            <p:cNvPr id="49" name="Group 48"/>
-            <p:cNvGrpSpPr/>
-            <p:nvPr/>
-          </p:nvGrpSpPr>
-          <p:grpSpPr>
-            <a:xfrm>
-              <a:off x="2826335" y="3317904"/>
-              <a:ext cx="276226" cy="274638"/>
-              <a:chOff x="3741019" y="157978"/>
-              <a:chExt cx="276226" cy="274638"/>
-            </a:xfrm>
-            <a:solidFill>
-              <a:schemeClr val="bg1"/>
-            </a:solidFill>
-          </p:grpSpPr>
-          <p:sp>
-            <p:nvSpPr>
-              <p:cNvPr id="50" name="Rectangle 5"/>
-              <p:cNvSpPr>
-                <a:spLocks noChangeArrowheads="1"/>
-              </p:cNvSpPr>
-              <p:nvPr/>
-            </p:nvSpPr>
-            <p:spPr bwMode="auto">
-              <a:xfrm>
-                <a:off x="3741019" y="157978"/>
-                <a:ext cx="65088" cy="65087"/>
-              </a:xfrm>
-              <a:prstGeom prst="rect">
-                <a:avLst/>
-              </a:prstGeom>
-              <a:grpFill/>
-              <a:ln>
-                <a:noFill/>
-              </a:ln>
-              <a:extLst>
-                <a:ext uri="{91240B29-F687-4F45-9708-019B960494DF}">
-                  <a14:hiddenLine xmlns:a14="http://schemas.microsoft.com/office/drawing/2010/main" w="9525">
-                    <a:solidFill>
-                      <a:srgbClr val="000000"/>
-                    </a:solidFill>
-                    <a:miter lim="800000"/>
-                    <a:headEnd/>
-                    <a:tailEnd/>
-                  </a14:hiddenLine>
-                </a:ext>
-              </a:extLst>
-            </p:spPr>
-            <p:txBody>
-              <a:bodyPr vert="horz" wrap="square" lIns="91440" tIns="45720" rIns="91440" bIns="45720" numCol="1" anchor="t" anchorCtr="0" compatLnSpc="1">
-                <a:prstTxWarp prst="textNoShape">
-                  <a:avLst/>
-                </a:prstTxWarp>
-              </a:bodyPr>
-              <a:lstStyle/>
-              <a:p>
-                <a:endParaRPr lang="en-US"/>
-              </a:p>
-            </p:txBody>
-          </p:sp>
-          <p:sp>
-            <p:nvSpPr>
-              <p:cNvPr id="51" name="Rectangle 6"/>
-              <p:cNvSpPr>
-                <a:spLocks noChangeArrowheads="1"/>
-              </p:cNvSpPr>
-              <p:nvPr/>
-            </p:nvSpPr>
-            <p:spPr bwMode="auto">
-              <a:xfrm>
-                <a:off x="3741019" y="262753"/>
-                <a:ext cx="65088" cy="65087"/>
-              </a:xfrm>
-              <a:prstGeom prst="rect">
-                <a:avLst/>
-              </a:prstGeom>
-              <a:grpFill/>
-              <a:ln>
-                <a:noFill/>
-              </a:ln>
-              <a:extLst>
-                <a:ext uri="{91240B29-F687-4F45-9708-019B960494DF}">
-                  <a14:hiddenLine xmlns:a14="http://schemas.microsoft.com/office/drawing/2010/main" w="9525">
-                    <a:solidFill>
-                      <a:srgbClr val="000000"/>
-                    </a:solidFill>
-                    <a:miter lim="800000"/>
-                    <a:headEnd/>
-                    <a:tailEnd/>
-                  </a14:hiddenLine>
-                </a:ext>
-              </a:extLst>
-            </p:spPr>
-            <p:txBody>
-              <a:bodyPr vert="horz" wrap="square" lIns="91440" tIns="45720" rIns="91440" bIns="45720" numCol="1" anchor="t" anchorCtr="0" compatLnSpc="1">
-                <a:prstTxWarp prst="textNoShape">
-                  <a:avLst/>
-                </a:prstTxWarp>
-              </a:bodyPr>
-              <a:lstStyle/>
-              <a:p>
-                <a:endParaRPr lang="en-US"/>
-              </a:p>
-            </p:txBody>
-          </p:sp>
-          <p:sp>
-            <p:nvSpPr>
-              <p:cNvPr id="52" name="Rectangle 7"/>
-              <p:cNvSpPr>
-                <a:spLocks noChangeArrowheads="1"/>
-              </p:cNvSpPr>
-              <p:nvPr/>
-            </p:nvSpPr>
-            <p:spPr bwMode="auto">
-              <a:xfrm>
-                <a:off x="3741019" y="369116"/>
-                <a:ext cx="65088" cy="63500"/>
-              </a:xfrm>
-              <a:prstGeom prst="rect">
-                <a:avLst/>
-              </a:prstGeom>
-              <a:grpFill/>
-              <a:ln>
-                <a:noFill/>
-              </a:ln>
-              <a:extLst>
-                <a:ext uri="{91240B29-F687-4F45-9708-019B960494DF}">
-                  <a14:hiddenLine xmlns:a14="http://schemas.microsoft.com/office/drawing/2010/main" w="9525">
-                    <a:solidFill>
-                      <a:srgbClr val="000000"/>
-                    </a:solidFill>
-                    <a:miter lim="800000"/>
-                    <a:headEnd/>
-                    <a:tailEnd/>
-                  </a14:hiddenLine>
-                </a:ext>
-              </a:extLst>
-            </p:spPr>
-            <p:txBody>
-              <a:bodyPr vert="horz" wrap="square" lIns="91440" tIns="45720" rIns="91440" bIns="45720" numCol="1" anchor="t" anchorCtr="0" compatLnSpc="1">
-                <a:prstTxWarp prst="textNoShape">
-                  <a:avLst/>
-                </a:prstTxWarp>
-              </a:bodyPr>
-              <a:lstStyle/>
-              <a:p>
-                <a:endParaRPr lang="en-US"/>
-              </a:p>
-            </p:txBody>
-          </p:sp>
-          <p:sp>
-            <p:nvSpPr>
-              <p:cNvPr id="53" name="Rectangle 8"/>
-              <p:cNvSpPr>
-                <a:spLocks noChangeArrowheads="1"/>
-              </p:cNvSpPr>
-              <p:nvPr/>
-            </p:nvSpPr>
-            <p:spPr bwMode="auto">
-              <a:xfrm>
-                <a:off x="3845794" y="369116"/>
-                <a:ext cx="65088" cy="63500"/>
-              </a:xfrm>
-              <a:prstGeom prst="rect">
-                <a:avLst/>
-              </a:prstGeom>
-              <a:grpFill/>
-              <a:ln>
-                <a:noFill/>
-              </a:ln>
-              <a:extLst>
-                <a:ext uri="{91240B29-F687-4F45-9708-019B960494DF}">
-                  <a14:hiddenLine xmlns:a14="http://schemas.microsoft.com/office/drawing/2010/main" w="9525">
-                    <a:solidFill>
-                      <a:srgbClr val="000000"/>
-                    </a:solidFill>
-                    <a:miter lim="800000"/>
-                    <a:headEnd/>
-                    <a:tailEnd/>
-                  </a14:hiddenLine>
-                </a:ext>
-              </a:extLst>
-            </p:spPr>
-            <p:txBody>
-              <a:bodyPr vert="horz" wrap="square" lIns="91440" tIns="45720" rIns="91440" bIns="45720" numCol="1" anchor="t" anchorCtr="0" compatLnSpc="1">
-                <a:prstTxWarp prst="textNoShape">
-                  <a:avLst/>
-                </a:prstTxWarp>
-              </a:bodyPr>
-              <a:lstStyle/>
-              <a:p>
-                <a:endParaRPr lang="en-US"/>
-              </a:p>
-            </p:txBody>
-          </p:sp>
-          <p:sp>
-            <p:nvSpPr>
-              <p:cNvPr id="54" name="Rectangle 9"/>
-              <p:cNvSpPr>
-                <a:spLocks noChangeArrowheads="1"/>
-              </p:cNvSpPr>
-              <p:nvPr/>
-            </p:nvSpPr>
-            <p:spPr bwMode="auto">
-              <a:xfrm>
-                <a:off x="3952157" y="369116"/>
-                <a:ext cx="65088" cy="63500"/>
-              </a:xfrm>
-              <a:prstGeom prst="rect">
-                <a:avLst/>
-              </a:prstGeom>
-              <a:grpFill/>
-              <a:ln>
-                <a:noFill/>
-              </a:ln>
-              <a:extLst>
-                <a:ext uri="{91240B29-F687-4F45-9708-019B960494DF}">
-                  <a14:hiddenLine xmlns:a14="http://schemas.microsoft.com/office/drawing/2010/main" w="9525">
-                    <a:solidFill>
-                      <a:srgbClr val="000000"/>
-                    </a:solidFill>
-                    <a:miter lim="800000"/>
-                    <a:headEnd/>
-                    <a:tailEnd/>
-                  </a14:hiddenLine>
-                </a:ext>
-              </a:extLst>
-            </p:spPr>
-            <p:txBody>
-              <a:bodyPr vert="horz" wrap="square" lIns="91440" tIns="45720" rIns="91440" bIns="45720" numCol="1" anchor="t" anchorCtr="0" compatLnSpc="1">
-                <a:prstTxWarp prst="textNoShape">
-                  <a:avLst/>
-                </a:prstTxWarp>
-              </a:bodyPr>
-              <a:lstStyle/>
-              <a:p>
-                <a:endParaRPr lang="en-US"/>
-              </a:p>
-            </p:txBody>
-          </p:sp>
-          <p:sp>
-            <p:nvSpPr>
-              <p:cNvPr id="55" name="Rectangle 10"/>
-              <p:cNvSpPr>
-                <a:spLocks noChangeArrowheads="1"/>
-              </p:cNvSpPr>
-              <p:nvPr/>
-            </p:nvSpPr>
-            <p:spPr bwMode="auto">
-              <a:xfrm>
-                <a:off x="3952157" y="262753"/>
-                <a:ext cx="65088" cy="65087"/>
-              </a:xfrm>
-              <a:prstGeom prst="rect">
-                <a:avLst/>
-              </a:prstGeom>
-              <a:grpFill/>
-              <a:ln>
-                <a:noFill/>
-              </a:ln>
-              <a:extLst>
-                <a:ext uri="{91240B29-F687-4F45-9708-019B960494DF}">
-                  <a14:hiddenLine xmlns:a14="http://schemas.microsoft.com/office/drawing/2010/main" w="9525">
-                    <a:solidFill>
-                      <a:srgbClr val="000000"/>
-                    </a:solidFill>
-                    <a:miter lim="800000"/>
-                    <a:headEnd/>
-                    <a:tailEnd/>
-                  </a14:hiddenLine>
-                </a:ext>
-              </a:extLst>
-            </p:spPr>
-            <p:txBody>
-              <a:bodyPr vert="horz" wrap="square" lIns="91440" tIns="45720" rIns="91440" bIns="45720" numCol="1" anchor="t" anchorCtr="0" compatLnSpc="1">
-                <a:prstTxWarp prst="textNoShape">
-                  <a:avLst/>
-                </a:prstTxWarp>
-              </a:bodyPr>
-              <a:lstStyle/>
-              <a:p>
-                <a:endParaRPr lang="en-US"/>
-              </a:p>
-            </p:txBody>
-          </p:sp>
-          <p:sp>
-            <p:nvSpPr>
-              <p:cNvPr id="56" name="Rectangle 11"/>
-              <p:cNvSpPr>
-                <a:spLocks noChangeArrowheads="1"/>
-              </p:cNvSpPr>
-              <p:nvPr/>
-            </p:nvSpPr>
-            <p:spPr bwMode="auto">
-              <a:xfrm>
-                <a:off x="3845794" y="262753"/>
-                <a:ext cx="65088" cy="65087"/>
-              </a:xfrm>
-              <a:prstGeom prst="rect">
-                <a:avLst/>
-              </a:prstGeom>
-              <a:grpFill/>
-              <a:ln>
-                <a:noFill/>
-              </a:ln>
-              <a:extLst>
-                <a:ext uri="{91240B29-F687-4F45-9708-019B960494DF}">
-                  <a14:hiddenLine xmlns:a14="http://schemas.microsoft.com/office/drawing/2010/main" w="9525">
-                    <a:solidFill>
-                      <a:srgbClr val="000000"/>
-                    </a:solidFill>
-                    <a:miter lim="800000"/>
-                    <a:headEnd/>
-                    <a:tailEnd/>
-                  </a14:hiddenLine>
-                </a:ext>
-              </a:extLst>
-            </p:spPr>
-            <p:txBody>
-              <a:bodyPr vert="horz" wrap="square" lIns="91440" tIns="45720" rIns="91440" bIns="45720" numCol="1" anchor="t" anchorCtr="0" compatLnSpc="1">
-                <a:prstTxWarp prst="textNoShape">
-                  <a:avLst/>
-                </a:prstTxWarp>
-              </a:bodyPr>
-              <a:lstStyle/>
-              <a:p>
-                <a:endParaRPr lang="en-US"/>
-              </a:p>
-            </p:txBody>
-          </p:sp>
-          <p:sp>
-            <p:nvSpPr>
-              <p:cNvPr id="57" name="Rectangle 12"/>
-              <p:cNvSpPr>
-                <a:spLocks noChangeArrowheads="1"/>
-              </p:cNvSpPr>
-              <p:nvPr/>
-            </p:nvSpPr>
-            <p:spPr bwMode="auto">
-              <a:xfrm>
-                <a:off x="3845794" y="157978"/>
-                <a:ext cx="65088" cy="65087"/>
-              </a:xfrm>
-              <a:prstGeom prst="rect">
-                <a:avLst/>
-              </a:prstGeom>
-              <a:grpFill/>
-              <a:ln>
-                <a:noFill/>
-              </a:ln>
-              <a:extLst>
-                <a:ext uri="{91240B29-F687-4F45-9708-019B960494DF}">
-                  <a14:hiddenLine xmlns:a14="http://schemas.microsoft.com/office/drawing/2010/main" w="9525">
-                    <a:solidFill>
-                      <a:srgbClr val="000000"/>
-                    </a:solidFill>
-                    <a:miter lim="800000"/>
-                    <a:headEnd/>
-                    <a:tailEnd/>
-                  </a14:hiddenLine>
-                </a:ext>
-              </a:extLst>
-            </p:spPr>
-            <p:txBody>
-              <a:bodyPr vert="horz" wrap="square" lIns="91440" tIns="45720" rIns="91440" bIns="45720" numCol="1" anchor="t" anchorCtr="0" compatLnSpc="1">
-                <a:prstTxWarp prst="textNoShape">
-                  <a:avLst/>
-                </a:prstTxWarp>
-              </a:bodyPr>
-              <a:lstStyle/>
-              <a:p>
-                <a:endParaRPr lang="en-US"/>
-              </a:p>
-            </p:txBody>
-          </p:sp>
-          <p:sp>
-            <p:nvSpPr>
-              <p:cNvPr id="58" name="Rectangle 13"/>
-              <p:cNvSpPr>
-                <a:spLocks noChangeArrowheads="1"/>
-              </p:cNvSpPr>
-              <p:nvPr/>
-            </p:nvSpPr>
-            <p:spPr bwMode="auto">
-              <a:xfrm>
-                <a:off x="3952157" y="157978"/>
-                <a:ext cx="65088" cy="65087"/>
-              </a:xfrm>
-              <a:prstGeom prst="rect">
-                <a:avLst/>
-              </a:prstGeom>
-              <a:grpFill/>
-              <a:ln>
-                <a:noFill/>
-              </a:ln>
-              <a:extLst>
-                <a:ext uri="{91240B29-F687-4F45-9708-019B960494DF}">
-                  <a14:hiddenLine xmlns:a14="http://schemas.microsoft.com/office/drawing/2010/main" w="9525">
-                    <a:solidFill>
-                      <a:srgbClr val="000000"/>
-                    </a:solidFill>
-                    <a:miter lim="800000"/>
-                    <a:headEnd/>
-                    <a:tailEnd/>
-                  </a14:hiddenLine>
-                </a:ext>
-              </a:extLst>
-            </p:spPr>
-            <p:txBody>
-              <a:bodyPr vert="horz" wrap="square" lIns="91440" tIns="45720" rIns="91440" bIns="45720" numCol="1" anchor="t" anchorCtr="0" compatLnSpc="1">
-                <a:prstTxWarp prst="textNoShape">
-                  <a:avLst/>
-                </a:prstTxWarp>
-              </a:bodyPr>
-              <a:lstStyle/>
-              <a:p>
-                <a:endParaRPr lang="en-US"/>
-              </a:p>
-            </p:txBody>
-          </p:sp>
-        </p:grpSp>
-        <p:sp>
-          <p:nvSpPr>
-            <p:cNvPr id="59" name="Freeform 17"/>
-            <p:cNvSpPr>
-              <a:spLocks noEditPoints="1"/>
-            </p:cNvSpPr>
-            <p:nvPr/>
-          </p:nvSpPr>
-          <p:spPr bwMode="auto">
-            <a:xfrm>
-              <a:off x="2819562" y="3721776"/>
-              <a:ext cx="291306" cy="290211"/>
-            </a:xfrm>
-            <a:custGeom>
-              <a:avLst/>
-              <a:gdLst>
-                <a:gd name="T0" fmla="*/ 28 w 216"/>
-                <a:gd name="T1" fmla="*/ 56 h 216"/>
-                <a:gd name="T2" fmla="*/ 0 w 216"/>
-                <a:gd name="T3" fmla="*/ 28 h 216"/>
-                <a:gd name="T4" fmla="*/ 28 w 216"/>
-                <a:gd name="T5" fmla="*/ 0 h 216"/>
-                <a:gd name="T6" fmla="*/ 56 w 216"/>
-                <a:gd name="T7" fmla="*/ 28 h 216"/>
-                <a:gd name="T8" fmla="*/ 28 w 216"/>
-                <a:gd name="T9" fmla="*/ 56 h 216"/>
-                <a:gd name="T10" fmla="*/ 108 w 216"/>
-                <a:gd name="T11" fmla="*/ 56 h 216"/>
-                <a:gd name="T12" fmla="*/ 80 w 216"/>
-                <a:gd name="T13" fmla="*/ 28 h 216"/>
-                <a:gd name="T14" fmla="*/ 108 w 216"/>
-                <a:gd name="T15" fmla="*/ 0 h 216"/>
-                <a:gd name="T16" fmla="*/ 136 w 216"/>
-                <a:gd name="T17" fmla="*/ 28 h 216"/>
-                <a:gd name="T18" fmla="*/ 108 w 216"/>
-                <a:gd name="T19" fmla="*/ 56 h 216"/>
-                <a:gd name="T20" fmla="*/ 188 w 216"/>
-                <a:gd name="T21" fmla="*/ 56 h 216"/>
-                <a:gd name="T22" fmla="*/ 160 w 216"/>
-                <a:gd name="T23" fmla="*/ 28 h 216"/>
-                <a:gd name="T24" fmla="*/ 188 w 216"/>
-                <a:gd name="T25" fmla="*/ 0 h 216"/>
-                <a:gd name="T26" fmla="*/ 216 w 216"/>
-                <a:gd name="T27" fmla="*/ 28 h 216"/>
-                <a:gd name="T28" fmla="*/ 188 w 216"/>
-                <a:gd name="T29" fmla="*/ 56 h 216"/>
-                <a:gd name="T30" fmla="*/ 188 w 216"/>
-                <a:gd name="T31" fmla="*/ 136 h 216"/>
-                <a:gd name="T32" fmla="*/ 160 w 216"/>
-                <a:gd name="T33" fmla="*/ 108 h 216"/>
-                <a:gd name="T34" fmla="*/ 188 w 216"/>
-                <a:gd name="T35" fmla="*/ 80 h 216"/>
-                <a:gd name="T36" fmla="*/ 216 w 216"/>
-                <a:gd name="T37" fmla="*/ 108 h 216"/>
-                <a:gd name="T38" fmla="*/ 188 w 216"/>
-                <a:gd name="T39" fmla="*/ 136 h 216"/>
-                <a:gd name="T40" fmla="*/ 108 w 216"/>
-                <a:gd name="T41" fmla="*/ 136 h 216"/>
-                <a:gd name="T42" fmla="*/ 80 w 216"/>
-                <a:gd name="T43" fmla="*/ 108 h 216"/>
-                <a:gd name="T44" fmla="*/ 108 w 216"/>
-                <a:gd name="T45" fmla="*/ 80 h 216"/>
-                <a:gd name="T46" fmla="*/ 136 w 216"/>
-                <a:gd name="T47" fmla="*/ 108 h 216"/>
-                <a:gd name="T48" fmla="*/ 108 w 216"/>
-                <a:gd name="T49" fmla="*/ 136 h 216"/>
-                <a:gd name="T50" fmla="*/ 28 w 216"/>
-                <a:gd name="T51" fmla="*/ 136 h 216"/>
-                <a:gd name="T52" fmla="*/ 0 w 216"/>
-                <a:gd name="T53" fmla="*/ 108 h 216"/>
-                <a:gd name="T54" fmla="*/ 28 w 216"/>
-                <a:gd name="T55" fmla="*/ 80 h 216"/>
-                <a:gd name="T56" fmla="*/ 56 w 216"/>
-                <a:gd name="T57" fmla="*/ 108 h 216"/>
-                <a:gd name="T58" fmla="*/ 28 w 216"/>
-                <a:gd name="T59" fmla="*/ 136 h 216"/>
-                <a:gd name="T60" fmla="*/ 28 w 216"/>
-                <a:gd name="T61" fmla="*/ 216 h 216"/>
-                <a:gd name="T62" fmla="*/ 0 w 216"/>
-                <a:gd name="T63" fmla="*/ 188 h 216"/>
-                <a:gd name="T64" fmla="*/ 28 w 216"/>
-                <a:gd name="T65" fmla="*/ 160 h 216"/>
-                <a:gd name="T66" fmla="*/ 56 w 216"/>
-                <a:gd name="T67" fmla="*/ 188 h 216"/>
-                <a:gd name="T68" fmla="*/ 28 w 216"/>
-                <a:gd name="T69" fmla="*/ 216 h 216"/>
-                <a:gd name="T70" fmla="*/ 108 w 216"/>
-                <a:gd name="T71" fmla="*/ 216 h 216"/>
-                <a:gd name="T72" fmla="*/ 80 w 216"/>
-                <a:gd name="T73" fmla="*/ 188 h 216"/>
-                <a:gd name="T74" fmla="*/ 108 w 216"/>
-                <a:gd name="T75" fmla="*/ 160 h 216"/>
-                <a:gd name="T76" fmla="*/ 136 w 216"/>
-                <a:gd name="T77" fmla="*/ 188 h 216"/>
-                <a:gd name="T78" fmla="*/ 108 w 216"/>
-                <a:gd name="T79" fmla="*/ 216 h 216"/>
-                <a:gd name="T80" fmla="*/ 188 w 216"/>
-                <a:gd name="T81" fmla="*/ 216 h 216"/>
-                <a:gd name="T82" fmla="*/ 160 w 216"/>
-                <a:gd name="T83" fmla="*/ 188 h 216"/>
-                <a:gd name="T84" fmla="*/ 188 w 216"/>
-                <a:gd name="T85" fmla="*/ 160 h 216"/>
-                <a:gd name="T86" fmla="*/ 216 w 216"/>
-                <a:gd name="T87" fmla="*/ 188 h 216"/>
-                <a:gd name="T88" fmla="*/ 188 w 216"/>
-                <a:gd name="T89" fmla="*/ 216 h 216"/>
-              </a:gdLst>
-              <a:ahLst/>
-              <a:cxnLst>
-                <a:cxn ang="0">
-                  <a:pos x="T0" y="T1"/>
-                </a:cxn>
-                <a:cxn ang="0">
-                  <a:pos x="T2" y="T3"/>
-                </a:cxn>
-                <a:cxn ang="0">
-                  <a:pos x="T4" y="T5"/>
-                </a:cxn>
-                <a:cxn ang="0">
-                  <a:pos x="T6" y="T7"/>
-                </a:cxn>
-                <a:cxn ang="0">
-                  <a:pos x="T8" y="T9"/>
-                </a:cxn>
-                <a:cxn ang="0">
-                  <a:pos x="T10" y="T11"/>
-                </a:cxn>
-                <a:cxn ang="0">
-                  <a:pos x="T12" y="T13"/>
-                </a:cxn>
-                <a:cxn ang="0">
-                  <a:pos x="T14" y="T15"/>
-                </a:cxn>
-                <a:cxn ang="0">
-                  <a:pos x="T16" y="T17"/>
-                </a:cxn>
-                <a:cxn ang="0">
-                  <a:pos x="T18" y="T19"/>
-                </a:cxn>
-                <a:cxn ang="0">
-                  <a:pos x="T20" y="T21"/>
-                </a:cxn>
-                <a:cxn ang="0">
-                  <a:pos x="T22" y="T23"/>
-                </a:cxn>
-                <a:cxn ang="0">
-                  <a:pos x="T24" y="T25"/>
-                </a:cxn>
-                <a:cxn ang="0">
-                  <a:pos x="T26" y="T27"/>
-                </a:cxn>
-                <a:cxn ang="0">
-                  <a:pos x="T28" y="T29"/>
-                </a:cxn>
-                <a:cxn ang="0">
-                  <a:pos x="T30" y="T31"/>
-                </a:cxn>
-                <a:cxn ang="0">
-                  <a:pos x="T32" y="T33"/>
-                </a:cxn>
-                <a:cxn ang="0">
-                  <a:pos x="T34" y="T35"/>
-                </a:cxn>
-                <a:cxn ang="0">
-                  <a:pos x="T36" y="T37"/>
-                </a:cxn>
-                <a:cxn ang="0">
-                  <a:pos x="T38" y="T39"/>
-                </a:cxn>
-                <a:cxn ang="0">
-                  <a:pos x="T40" y="T41"/>
-                </a:cxn>
-                <a:cxn ang="0">
-                  <a:pos x="T42" y="T43"/>
-                </a:cxn>
-                <a:cxn ang="0">
-                  <a:pos x="T44" y="T45"/>
-                </a:cxn>
-                <a:cxn ang="0">
-                  <a:pos x="T46" y="T47"/>
-                </a:cxn>
-                <a:cxn ang="0">
-                  <a:pos x="T48" y="T49"/>
-                </a:cxn>
-                <a:cxn ang="0">
-                  <a:pos x="T50" y="T51"/>
-                </a:cxn>
-                <a:cxn ang="0">
-                  <a:pos x="T52" y="T53"/>
-                </a:cxn>
-                <a:cxn ang="0">
-                  <a:pos x="T54" y="T55"/>
-                </a:cxn>
-                <a:cxn ang="0">
-                  <a:pos x="T56" y="T57"/>
-                </a:cxn>
-                <a:cxn ang="0">
-                  <a:pos x="T58" y="T59"/>
-                </a:cxn>
-                <a:cxn ang="0">
-                  <a:pos x="T60" y="T61"/>
-                </a:cxn>
-                <a:cxn ang="0">
-                  <a:pos x="T62" y="T63"/>
-                </a:cxn>
-                <a:cxn ang="0">
-                  <a:pos x="T64" y="T65"/>
-                </a:cxn>
-                <a:cxn ang="0">
-                  <a:pos x="T66" y="T67"/>
-                </a:cxn>
-                <a:cxn ang="0">
-                  <a:pos x="T68" y="T69"/>
-                </a:cxn>
-                <a:cxn ang="0">
-                  <a:pos x="T70" y="T71"/>
-                </a:cxn>
-                <a:cxn ang="0">
-                  <a:pos x="T72" y="T73"/>
-                </a:cxn>
-                <a:cxn ang="0">
-                  <a:pos x="T74" y="T75"/>
-                </a:cxn>
-                <a:cxn ang="0">
-                  <a:pos x="T76" y="T77"/>
-                </a:cxn>
-                <a:cxn ang="0">
-                  <a:pos x="T78" y="T79"/>
-                </a:cxn>
-                <a:cxn ang="0">
-                  <a:pos x="T80" y="T81"/>
-                </a:cxn>
-                <a:cxn ang="0">
-                  <a:pos x="T82" y="T83"/>
-                </a:cxn>
-                <a:cxn ang="0">
-                  <a:pos x="T84" y="T85"/>
-                </a:cxn>
-                <a:cxn ang="0">
-                  <a:pos x="T86" y="T87"/>
-                </a:cxn>
-                <a:cxn ang="0">
-                  <a:pos x="T88" y="T89"/>
-                </a:cxn>
-              </a:cxnLst>
-              <a:rect l="0" t="0" r="r" b="b"/>
-              <a:pathLst>
-                <a:path w="216" h="216">
-                  <a:moveTo>
-                    <a:pt x="28" y="56"/>
-                  </a:moveTo>
-                  <a:cubicBezTo>
-                    <a:pt x="13" y="56"/>
-                    <a:pt x="0" y="43"/>
-                    <a:pt x="0" y="28"/>
-                  </a:cubicBezTo>
-                  <a:cubicBezTo>
-                    <a:pt x="0" y="13"/>
-                    <a:pt x="13" y="0"/>
-                    <a:pt x="28" y="0"/>
-                  </a:cubicBezTo>
-                  <a:cubicBezTo>
-                    <a:pt x="43" y="0"/>
-                    <a:pt x="56" y="13"/>
-                    <a:pt x="56" y="28"/>
-                  </a:cubicBezTo>
-                  <a:cubicBezTo>
-                    <a:pt x="56" y="43"/>
-                    <a:pt x="43" y="56"/>
-                    <a:pt x="28" y="56"/>
-                  </a:cubicBezTo>
-                  <a:close/>
-                  <a:moveTo>
-                    <a:pt x="108" y="56"/>
-                  </a:moveTo>
-                  <a:cubicBezTo>
-                    <a:pt x="93" y="56"/>
-                    <a:pt x="80" y="43"/>
-                    <a:pt x="80" y="28"/>
-                  </a:cubicBezTo>
-                  <a:cubicBezTo>
-                    <a:pt x="80" y="13"/>
-                    <a:pt x="93" y="0"/>
-                    <a:pt x="108" y="0"/>
-                  </a:cubicBezTo>
-                  <a:cubicBezTo>
-                    <a:pt x="123" y="0"/>
-                    <a:pt x="136" y="13"/>
-                    <a:pt x="136" y="28"/>
-                  </a:cubicBezTo>
-                  <a:cubicBezTo>
-                    <a:pt x="136" y="43"/>
-                    <a:pt x="123" y="56"/>
-                    <a:pt x="108" y="56"/>
-                  </a:cubicBezTo>
-                  <a:close/>
-                  <a:moveTo>
-                    <a:pt x="188" y="56"/>
-                  </a:moveTo>
-                  <a:cubicBezTo>
-                    <a:pt x="173" y="56"/>
-                    <a:pt x="160" y="43"/>
-                    <a:pt x="160" y="28"/>
-                  </a:cubicBezTo>
-                  <a:cubicBezTo>
-                    <a:pt x="160" y="13"/>
-                    <a:pt x="173" y="0"/>
-                    <a:pt x="188" y="0"/>
-                  </a:cubicBezTo>
-                  <a:cubicBezTo>
-                    <a:pt x="203" y="0"/>
-                    <a:pt x="216" y="13"/>
-                    <a:pt x="216" y="28"/>
-                  </a:cubicBezTo>
-                  <a:cubicBezTo>
-                    <a:pt x="216" y="43"/>
-                    <a:pt x="203" y="56"/>
-                    <a:pt x="188" y="56"/>
-                  </a:cubicBezTo>
-                  <a:close/>
-                  <a:moveTo>
-                    <a:pt x="188" y="136"/>
-                  </a:moveTo>
-                  <a:cubicBezTo>
-                    <a:pt x="173" y="136"/>
-                    <a:pt x="160" y="123"/>
-                    <a:pt x="160" y="108"/>
-                  </a:cubicBezTo>
-                  <a:cubicBezTo>
-                    <a:pt x="160" y="93"/>
-                    <a:pt x="173" y="80"/>
-                    <a:pt x="188" y="80"/>
-                  </a:cubicBezTo>
-                  <a:cubicBezTo>
-                    <a:pt x="203" y="80"/>
-                    <a:pt x="216" y="93"/>
-                    <a:pt x="216" y="108"/>
-                  </a:cubicBezTo>
-                  <a:cubicBezTo>
-                    <a:pt x="216" y="123"/>
-                    <a:pt x="203" y="136"/>
-                    <a:pt x="188" y="136"/>
-                  </a:cubicBezTo>
-                  <a:close/>
-                  <a:moveTo>
-                    <a:pt x="108" y="136"/>
-                  </a:moveTo>
-                  <a:cubicBezTo>
-                    <a:pt x="93" y="136"/>
-                    <a:pt x="80" y="123"/>
-                    <a:pt x="80" y="108"/>
-                  </a:cubicBezTo>
-                  <a:cubicBezTo>
-                    <a:pt x="80" y="93"/>
-                    <a:pt x="93" y="80"/>
-                    <a:pt x="108" y="80"/>
-                  </a:cubicBezTo>
-                  <a:cubicBezTo>
-                    <a:pt x="123" y="80"/>
-                    <a:pt x="136" y="93"/>
-                    <a:pt x="136" y="108"/>
-                  </a:cubicBezTo>
-                  <a:cubicBezTo>
-                    <a:pt x="136" y="123"/>
-                    <a:pt x="123" y="136"/>
-                    <a:pt x="108" y="136"/>
-                  </a:cubicBezTo>
-                  <a:close/>
-                  <a:moveTo>
-                    <a:pt x="28" y="136"/>
-                  </a:moveTo>
-                  <a:cubicBezTo>
-                    <a:pt x="13" y="136"/>
-                    <a:pt x="0" y="123"/>
-                    <a:pt x="0" y="108"/>
-                  </a:cubicBezTo>
-                  <a:cubicBezTo>
-                    <a:pt x="0" y="93"/>
-                    <a:pt x="13" y="80"/>
-                    <a:pt x="28" y="80"/>
-                  </a:cubicBezTo>
-                  <a:cubicBezTo>
-                    <a:pt x="43" y="80"/>
-                    <a:pt x="56" y="93"/>
-                    <a:pt x="56" y="108"/>
-                  </a:cubicBezTo>
-                  <a:cubicBezTo>
-                    <a:pt x="56" y="123"/>
-                    <a:pt x="43" y="136"/>
-                    <a:pt x="28" y="136"/>
-                  </a:cubicBezTo>
-                  <a:close/>
-                  <a:moveTo>
-                    <a:pt x="28" y="216"/>
-                  </a:moveTo>
-                  <a:cubicBezTo>
-                    <a:pt x="13" y="216"/>
-                    <a:pt x="0" y="203"/>
-                    <a:pt x="0" y="188"/>
-                  </a:cubicBezTo>
-                  <a:cubicBezTo>
-                    <a:pt x="0" y="173"/>
-                    <a:pt x="13" y="160"/>
-                    <a:pt x="28" y="160"/>
-                  </a:cubicBezTo>
-                  <a:cubicBezTo>
-                    <a:pt x="43" y="160"/>
-                    <a:pt x="56" y="173"/>
-                    <a:pt x="56" y="188"/>
-                  </a:cubicBezTo>
-                  <a:cubicBezTo>
-                    <a:pt x="56" y="203"/>
-                    <a:pt x="43" y="216"/>
-                    <a:pt x="28" y="216"/>
-                  </a:cubicBezTo>
-                  <a:close/>
-                  <a:moveTo>
-                    <a:pt x="108" y="216"/>
-                  </a:moveTo>
-                  <a:cubicBezTo>
-                    <a:pt x="93" y="216"/>
-                    <a:pt x="80" y="203"/>
-                    <a:pt x="80" y="188"/>
-                  </a:cubicBezTo>
-                  <a:cubicBezTo>
-                    <a:pt x="80" y="173"/>
-                    <a:pt x="93" y="160"/>
-                    <a:pt x="108" y="160"/>
-                  </a:cubicBezTo>
-                  <a:cubicBezTo>
-                    <a:pt x="123" y="160"/>
-                    <a:pt x="136" y="173"/>
-                    <a:pt x="136" y="188"/>
-                  </a:cubicBezTo>
-                  <a:cubicBezTo>
-                    <a:pt x="136" y="203"/>
-                    <a:pt x="123" y="216"/>
-                    <a:pt x="108" y="216"/>
-                  </a:cubicBezTo>
-                  <a:close/>
-                  <a:moveTo>
-                    <a:pt x="188" y="216"/>
-                  </a:moveTo>
-                  <a:cubicBezTo>
-                    <a:pt x="173" y="216"/>
-                    <a:pt x="160" y="203"/>
-                    <a:pt x="160" y="188"/>
-                  </a:cubicBezTo>
-                  <a:cubicBezTo>
-                    <a:pt x="160" y="173"/>
-                    <a:pt x="173" y="160"/>
-                    <a:pt x="188" y="160"/>
-                  </a:cubicBezTo>
-                  <a:cubicBezTo>
-                    <a:pt x="203" y="160"/>
-                    <a:pt x="216" y="173"/>
-                    <a:pt x="216" y="188"/>
-                  </a:cubicBezTo>
-                  <a:cubicBezTo>
-                    <a:pt x="216" y="203"/>
-                    <a:pt x="203" y="216"/>
-                    <a:pt x="188" y="216"/>
-                  </a:cubicBezTo>
-                  <a:close/>
-                </a:path>
-              </a:pathLst>
-            </a:custGeom>
-            <a:solidFill>
-              <a:schemeClr val="bg1"/>
-            </a:solidFill>
-            <a:ln>
-              <a:noFill/>
-            </a:ln>
-          </p:spPr>
-          <p:txBody>
-            <a:bodyPr vert="horz" wrap="square" lIns="91440" tIns="45720" rIns="91440" bIns="45720" numCol="1" anchor="t" anchorCtr="0" compatLnSpc="1">
-              <a:prstTxWarp prst="textNoShape">
-                <a:avLst/>
-              </a:prstTxWarp>
-            </a:bodyPr>
-            <a:lstStyle/>
-            <a:p>
-              <a:endParaRPr lang="en-US"/>
-            </a:p>
-          </p:txBody>
-        </p:sp>
       </p:grpSp>
-      <p:pic>
-        <p:nvPicPr>
-          <p:cNvPr id="11" name="Picture 10"/>
-          <p:cNvPicPr>
-            <a:picLocks noChangeAspect="1"/>
-          </p:cNvPicPr>
-          <p:nvPr/>
-        </p:nvPicPr>
-        <p:blipFill rotWithShape="1">
-          <a:blip r:embed="rId2"/>
-          <a:srcRect l="74236" t="48086" r="6945" b="42408"/>
-          <a:stretch/>
-        </p:blipFill>
-        <p:spPr>
-          <a:xfrm>
-            <a:off x="4832890" y="3377088"/>
-            <a:ext cx="1150697" cy="326951"/>
-          </a:xfrm>
-          <a:prstGeom prst="rect">
-            <a:avLst/>
-          </a:prstGeom>
-        </p:spPr>
-      </p:pic>
-      <p:cxnSp>
-        <p:nvCxnSpPr>
-          <p:cNvPr id="26" name="Straight Arrow Connector 25"/>
-          <p:cNvCxnSpPr/>
-          <p:nvPr/>
-        </p:nvCxnSpPr>
-        <p:spPr>
-          <a:xfrm flipH="1">
-            <a:off x="2034392" y="2925058"/>
-            <a:ext cx="866641" cy="0"/>
-          </a:xfrm>
-          <a:prstGeom prst="straightConnector1">
-            <a:avLst/>
-          </a:prstGeom>
-          <a:ln w="12700">
-            <a:solidFill>
-              <a:schemeClr val="accent1">
-                <a:lumMod val="50000"/>
-              </a:schemeClr>
-            </a:solidFill>
-            <a:tailEnd type="triangle"/>
-          </a:ln>
-        </p:spPr>
-        <p:style>
-          <a:lnRef idx="1">
-            <a:schemeClr val="accent1"/>
-          </a:lnRef>
-          <a:fillRef idx="0">
-            <a:schemeClr val="accent1"/>
-          </a:fillRef>
-          <a:effectRef idx="0">
-            <a:schemeClr val="accent1"/>
-          </a:effectRef>
-          <a:fontRef idx="minor">
-            <a:schemeClr val="tx1"/>
-          </a:fontRef>
-        </p:style>
-      </p:cxnSp>
     </p:spTree>
     <p:extLst>
       <p:ext uri="{BB962C8B-B14F-4D97-AF65-F5344CB8AC3E}">
